--- a/lectures/20WQ-02-27 TNG Design Session.pptx
+++ b/lectures/20WQ-02-27 TNG Design Session.pptx
@@ -11,38 +11,41 @@
     <p:sldId id="260" r:id="rId5"/>
     <p:sldId id="259" r:id="rId6"/>
     <p:sldId id="261" r:id="rId7"/>
-    <p:sldId id="262" r:id="rId8"/>
-    <p:sldId id="263" r:id="rId9"/>
-    <p:sldId id="264" r:id="rId10"/>
-    <p:sldId id="265" r:id="rId11"/>
-    <p:sldId id="299" r:id="rId12"/>
-    <p:sldId id="266" r:id="rId13"/>
-    <p:sldId id="267" r:id="rId14"/>
-    <p:sldId id="268" r:id="rId15"/>
-    <p:sldId id="256" r:id="rId16"/>
-    <p:sldId id="309" r:id="rId17"/>
-    <p:sldId id="257" r:id="rId18"/>
-    <p:sldId id="300" r:id="rId19"/>
-    <p:sldId id="301" r:id="rId20"/>
-    <p:sldId id="302" r:id="rId21"/>
-    <p:sldId id="303" r:id="rId22"/>
-    <p:sldId id="304" r:id="rId23"/>
-    <p:sldId id="305" r:id="rId24"/>
-    <p:sldId id="306" r:id="rId25"/>
-    <p:sldId id="307" r:id="rId26"/>
-    <p:sldId id="308" r:id="rId27"/>
-    <p:sldId id="310" r:id="rId28"/>
-    <p:sldId id="311" r:id="rId29"/>
-    <p:sldId id="312" r:id="rId30"/>
-    <p:sldId id="313" r:id="rId31"/>
-    <p:sldId id="314" r:id="rId32"/>
-    <p:sldId id="315" r:id="rId33"/>
-    <p:sldId id="316" r:id="rId34"/>
-    <p:sldId id="317" r:id="rId35"/>
-    <p:sldId id="318" r:id="rId36"/>
-    <p:sldId id="320" r:id="rId37"/>
-    <p:sldId id="319" r:id="rId38"/>
-    <p:sldId id="269" r:id="rId39"/>
+    <p:sldId id="322" r:id="rId8"/>
+    <p:sldId id="262" r:id="rId9"/>
+    <p:sldId id="263" r:id="rId10"/>
+    <p:sldId id="264" r:id="rId11"/>
+    <p:sldId id="265" r:id="rId12"/>
+    <p:sldId id="299" r:id="rId13"/>
+    <p:sldId id="266" r:id="rId14"/>
+    <p:sldId id="267" r:id="rId15"/>
+    <p:sldId id="268" r:id="rId16"/>
+    <p:sldId id="256" r:id="rId17"/>
+    <p:sldId id="309" r:id="rId18"/>
+    <p:sldId id="257" r:id="rId19"/>
+    <p:sldId id="300" r:id="rId20"/>
+    <p:sldId id="323" r:id="rId21"/>
+    <p:sldId id="324" r:id="rId22"/>
+    <p:sldId id="301" r:id="rId23"/>
+    <p:sldId id="302" r:id="rId24"/>
+    <p:sldId id="303" r:id="rId25"/>
+    <p:sldId id="304" r:id="rId26"/>
+    <p:sldId id="305" r:id="rId27"/>
+    <p:sldId id="306" r:id="rId28"/>
+    <p:sldId id="307" r:id="rId29"/>
+    <p:sldId id="308" r:id="rId30"/>
+    <p:sldId id="310" r:id="rId31"/>
+    <p:sldId id="311" r:id="rId32"/>
+    <p:sldId id="312" r:id="rId33"/>
+    <p:sldId id="313" r:id="rId34"/>
+    <p:sldId id="314" r:id="rId35"/>
+    <p:sldId id="315" r:id="rId36"/>
+    <p:sldId id="316" r:id="rId37"/>
+    <p:sldId id="317" r:id="rId38"/>
+    <p:sldId id="318" r:id="rId39"/>
+    <p:sldId id="320" r:id="rId40"/>
+    <p:sldId id="319" r:id="rId41"/>
+    <p:sldId id="269" r:id="rId42"/>
   </p:sldIdLst>
   <p:sldSz cx="12192000" cy="6858000"/>
   <p:notesSz cx="6858000" cy="9144000"/>
@@ -152,13 +155,281 @@
 <file path=ppt/revisionInfo.xml><?xml version="1.0" encoding="utf-8"?>
 <p1510:revInfo xmlns:a="http://schemas.openxmlformats.org/drawingml/2006/main" xmlns:r="http://schemas.openxmlformats.org/officeDocument/2006/relationships" xmlns:p1510="http://schemas.microsoft.com/office/powerpoint/2015/10/main">
   <p1510:revLst>
-    <p1510:client id="{949E227C-D28F-5F42-BAB9-53B1D73AE9B3}" v="3" dt="2019-01-31T02:28:40.068"/>
+    <p1510:client id="{E28319FA-8B03-FD49-94F0-366C0D2800DD}" v="99" dt="2020-02-20T21:27:59.767"/>
   </p1510:revLst>
 </p1510:revInfo>
 </file>
 
 <file path=ppt/changesInfos/changesInfo1.xml><?xml version="1.0" encoding="utf-8"?>
 <pc:chgInfo xmlns:a="http://schemas.openxmlformats.org/drawingml/2006/main" xmlns:r="http://schemas.openxmlformats.org/officeDocument/2006/relationships" xmlns:ac="http://schemas.microsoft.com/office/drawing/2013/main/command" xmlns:pc="http://schemas.microsoft.com/office/powerpoint/2013/main/command">
+  <pc:docChgLst>
+    <pc:chgData name="Michaeljon Miller" userId="c575fe5cddd8b8cf" providerId="LiveId" clId="{E28319FA-8B03-FD49-94F0-366C0D2800DD}"/>
+    <pc:docChg chg="undo custSel addSld modSld sldOrd">
+      <pc:chgData name="Michaeljon Miller" userId="c575fe5cddd8b8cf" providerId="LiveId" clId="{E28319FA-8B03-FD49-94F0-366C0D2800DD}" dt="2020-02-20T21:27:59.767" v="827" actId="12385"/>
+      <pc:docMkLst>
+        <pc:docMk/>
+      </pc:docMkLst>
+      <pc:sldChg chg="modAnim">
+        <pc:chgData name="Michaeljon Miller" userId="c575fe5cddd8b8cf" providerId="LiveId" clId="{E28319FA-8B03-FD49-94F0-366C0D2800DD}" dt="2020-02-20T21:04:32.943" v="132"/>
+        <pc:sldMkLst>
+          <pc:docMk/>
+          <pc:sldMk cId="1088403486" sldId="260"/>
+        </pc:sldMkLst>
+      </pc:sldChg>
+      <pc:sldChg chg="modSp">
+        <pc:chgData name="Michaeljon Miller" userId="c575fe5cddd8b8cf" providerId="LiveId" clId="{E28319FA-8B03-FD49-94F0-366C0D2800DD}" dt="2020-02-20T21:04:44.511" v="133" actId="20577"/>
+        <pc:sldMkLst>
+          <pc:docMk/>
+          <pc:sldMk cId="2141981345" sldId="261"/>
+        </pc:sldMkLst>
+        <pc:spChg chg="mod">
+          <ac:chgData name="Michaeljon Miller" userId="c575fe5cddd8b8cf" providerId="LiveId" clId="{E28319FA-8B03-FD49-94F0-366C0D2800DD}" dt="2020-02-20T21:04:44.511" v="133" actId="20577"/>
+          <ac:spMkLst>
+            <pc:docMk/>
+            <pc:sldMk cId="2141981345" sldId="261"/>
+            <ac:spMk id="3" creationId="{00000000-0000-0000-0000-000000000000}"/>
+          </ac:spMkLst>
+        </pc:spChg>
+      </pc:sldChg>
+      <pc:sldChg chg="modSp">
+        <pc:chgData name="Michaeljon Miller" userId="c575fe5cddd8b8cf" providerId="LiveId" clId="{E28319FA-8B03-FD49-94F0-366C0D2800DD}" dt="2020-02-20T21:00:56.257" v="30" actId="20577"/>
+        <pc:sldMkLst>
+          <pc:docMk/>
+          <pc:sldMk cId="179982260" sldId="262"/>
+        </pc:sldMkLst>
+        <pc:spChg chg="mod">
+          <ac:chgData name="Michaeljon Miller" userId="c575fe5cddd8b8cf" providerId="LiveId" clId="{E28319FA-8B03-FD49-94F0-366C0D2800DD}" dt="2020-02-20T21:00:56.257" v="30" actId="20577"/>
+          <ac:spMkLst>
+            <pc:docMk/>
+            <pc:sldMk cId="179982260" sldId="262"/>
+            <ac:spMk id="3" creationId="{00000000-0000-0000-0000-000000000000}"/>
+          </ac:spMkLst>
+        </pc:spChg>
+      </pc:sldChg>
+      <pc:sldChg chg="modSp">
+        <pc:chgData name="Michaeljon Miller" userId="c575fe5cddd8b8cf" providerId="LiveId" clId="{E28319FA-8B03-FD49-94F0-366C0D2800DD}" dt="2020-02-20T21:01:37.815" v="39" actId="20577"/>
+        <pc:sldMkLst>
+          <pc:docMk/>
+          <pc:sldMk cId="555459453" sldId="263"/>
+        </pc:sldMkLst>
+        <pc:spChg chg="mod">
+          <ac:chgData name="Michaeljon Miller" userId="c575fe5cddd8b8cf" providerId="LiveId" clId="{E28319FA-8B03-FD49-94F0-366C0D2800DD}" dt="2020-02-20T21:01:37.815" v="39" actId="20577"/>
+          <ac:spMkLst>
+            <pc:docMk/>
+            <pc:sldMk cId="555459453" sldId="263"/>
+            <ac:spMk id="3" creationId="{00000000-0000-0000-0000-000000000000}"/>
+          </ac:spMkLst>
+        </pc:spChg>
+      </pc:sldChg>
+      <pc:sldChg chg="modSp modAnim">
+        <pc:chgData name="Michaeljon Miller" userId="c575fe5cddd8b8cf" providerId="LiveId" clId="{E28319FA-8B03-FD49-94F0-366C0D2800DD}" dt="2020-02-20T21:08:07.738" v="675" actId="20577"/>
+        <pc:sldMkLst>
+          <pc:docMk/>
+          <pc:sldMk cId="1502120111" sldId="264"/>
+        </pc:sldMkLst>
+        <pc:spChg chg="mod">
+          <ac:chgData name="Michaeljon Miller" userId="c575fe5cddd8b8cf" providerId="LiveId" clId="{E28319FA-8B03-FD49-94F0-366C0D2800DD}" dt="2020-02-20T21:08:07.738" v="675" actId="20577"/>
+          <ac:spMkLst>
+            <pc:docMk/>
+            <pc:sldMk cId="1502120111" sldId="264"/>
+            <ac:spMk id="2" creationId="{00000000-0000-0000-0000-000000000000}"/>
+          </ac:spMkLst>
+        </pc:spChg>
+        <pc:spChg chg="mod">
+          <ac:chgData name="Michaeljon Miller" userId="c575fe5cddd8b8cf" providerId="LiveId" clId="{E28319FA-8B03-FD49-94F0-366C0D2800DD}" dt="2020-02-20T21:07:25.905" v="608" actId="27636"/>
+          <ac:spMkLst>
+            <pc:docMk/>
+            <pc:sldMk cId="1502120111" sldId="264"/>
+            <ac:spMk id="3" creationId="{00000000-0000-0000-0000-000000000000}"/>
+          </ac:spMkLst>
+        </pc:spChg>
+      </pc:sldChg>
+      <pc:sldChg chg="modSp">
+        <pc:chgData name="Michaeljon Miller" userId="c575fe5cddd8b8cf" providerId="LiveId" clId="{E28319FA-8B03-FD49-94F0-366C0D2800DD}" dt="2020-02-20T21:08:31.687" v="719" actId="20577"/>
+        <pc:sldMkLst>
+          <pc:docMk/>
+          <pc:sldMk cId="393587407" sldId="265"/>
+        </pc:sldMkLst>
+        <pc:spChg chg="mod">
+          <ac:chgData name="Michaeljon Miller" userId="c575fe5cddd8b8cf" providerId="LiveId" clId="{E28319FA-8B03-FD49-94F0-366C0D2800DD}" dt="2020-02-20T21:08:31.687" v="719" actId="20577"/>
+          <ac:spMkLst>
+            <pc:docMk/>
+            <pc:sldMk cId="393587407" sldId="265"/>
+            <ac:spMk id="2" creationId="{00000000-0000-0000-0000-000000000000}"/>
+          </ac:spMkLst>
+        </pc:spChg>
+      </pc:sldChg>
+      <pc:sldChg chg="modSp">
+        <pc:chgData name="Michaeljon Miller" userId="c575fe5cddd8b8cf" providerId="LiveId" clId="{E28319FA-8B03-FD49-94F0-366C0D2800DD}" dt="2020-02-20T21:04:04.203" v="126" actId="20577"/>
+        <pc:sldMkLst>
+          <pc:docMk/>
+          <pc:sldMk cId="2370538258" sldId="298"/>
+        </pc:sldMkLst>
+        <pc:spChg chg="mod">
+          <ac:chgData name="Michaeljon Miller" userId="c575fe5cddd8b8cf" providerId="LiveId" clId="{E28319FA-8B03-FD49-94F0-366C0D2800DD}" dt="2020-02-20T21:04:04.203" v="126" actId="20577"/>
+          <ac:spMkLst>
+            <pc:docMk/>
+            <pc:sldMk cId="2370538258" sldId="298"/>
+            <ac:spMk id="3" creationId="{0B1323D0-67BB-B24F-B208-AEB5473A6439}"/>
+          </ac:spMkLst>
+        </pc:spChg>
+      </pc:sldChg>
+      <pc:sldChg chg="modSp">
+        <pc:chgData name="Michaeljon Miller" userId="c575fe5cddd8b8cf" providerId="LiveId" clId="{E28319FA-8B03-FD49-94F0-366C0D2800DD}" dt="2020-02-20T21:08:46.987" v="755" actId="313"/>
+        <pc:sldMkLst>
+          <pc:docMk/>
+          <pc:sldMk cId="2870458706" sldId="299"/>
+        </pc:sldMkLst>
+        <pc:spChg chg="mod">
+          <ac:chgData name="Michaeljon Miller" userId="c575fe5cddd8b8cf" providerId="LiveId" clId="{E28319FA-8B03-FD49-94F0-366C0D2800DD}" dt="2020-02-20T21:08:46.987" v="755" actId="313"/>
+          <ac:spMkLst>
+            <pc:docMk/>
+            <pc:sldMk cId="2870458706" sldId="299"/>
+            <ac:spMk id="3" creationId="{3F509381-C318-DB46-83E9-D785C02E6355}"/>
+          </ac:spMkLst>
+        </pc:spChg>
+      </pc:sldChg>
+      <pc:sldChg chg="modSp">
+        <pc:chgData name="Michaeljon Miller" userId="c575fe5cddd8b8cf" providerId="LiveId" clId="{E28319FA-8B03-FD49-94F0-366C0D2800DD}" dt="2020-02-20T21:27:59.767" v="827" actId="12385"/>
+        <pc:sldMkLst>
+          <pc:docMk/>
+          <pc:sldMk cId="2549712747" sldId="306"/>
+        </pc:sldMkLst>
+        <pc:graphicFrameChg chg="mod">
+          <ac:chgData name="Michaeljon Miller" userId="c575fe5cddd8b8cf" providerId="LiveId" clId="{E28319FA-8B03-FD49-94F0-366C0D2800DD}" dt="2020-02-20T21:27:59.767" v="827" actId="12385"/>
+          <ac:graphicFrameMkLst>
+            <pc:docMk/>
+            <pc:sldMk cId="2549712747" sldId="306"/>
+            <ac:graphicFrameMk id="5" creationId="{21802C1C-34DD-9845-9FFD-2B8AFAAB3348}"/>
+          </ac:graphicFrameMkLst>
+        </pc:graphicFrameChg>
+      </pc:sldChg>
+      <pc:sldChg chg="modSp">
+        <pc:chgData name="Michaeljon Miller" userId="c575fe5cddd8b8cf" providerId="LiveId" clId="{E28319FA-8B03-FD49-94F0-366C0D2800DD}" dt="2020-02-20T21:27:54.282" v="826" actId="12385"/>
+        <pc:sldMkLst>
+          <pc:docMk/>
+          <pc:sldMk cId="1719989206" sldId="307"/>
+        </pc:sldMkLst>
+        <pc:graphicFrameChg chg="mod">
+          <ac:chgData name="Michaeljon Miller" userId="c575fe5cddd8b8cf" providerId="LiveId" clId="{E28319FA-8B03-FD49-94F0-366C0D2800DD}" dt="2020-02-20T21:27:54.282" v="826" actId="12385"/>
+          <ac:graphicFrameMkLst>
+            <pc:docMk/>
+            <pc:sldMk cId="1719989206" sldId="307"/>
+            <ac:graphicFrameMk id="5" creationId="{DDCAF785-8B68-3F4C-B897-C9CF7B128B3B}"/>
+          </ac:graphicFrameMkLst>
+        </pc:graphicFrameChg>
+      </pc:sldChg>
+      <pc:sldChg chg="modSp new modAnim">
+        <pc:chgData name="Michaeljon Miller" userId="c575fe5cddd8b8cf" providerId="LiveId" clId="{E28319FA-8B03-FD49-94F0-366C0D2800DD}" dt="2020-02-20T21:07:06.492" v="606"/>
+        <pc:sldMkLst>
+          <pc:docMk/>
+          <pc:sldMk cId="3908130302" sldId="322"/>
+        </pc:sldMkLst>
+        <pc:spChg chg="mod">
+          <ac:chgData name="Michaeljon Miller" userId="c575fe5cddd8b8cf" providerId="LiveId" clId="{E28319FA-8B03-FD49-94F0-366C0D2800DD}" dt="2020-02-20T21:04:52.999" v="146" actId="20577"/>
+          <ac:spMkLst>
+            <pc:docMk/>
+            <pc:sldMk cId="3908130302" sldId="322"/>
+            <ac:spMk id="2" creationId="{576B7BAC-96AD-8F4C-A539-09E0CF8EEF87}"/>
+          </ac:spMkLst>
+        </pc:spChg>
+        <pc:spChg chg="mod">
+          <ac:chgData name="Michaeljon Miller" userId="c575fe5cddd8b8cf" providerId="LiveId" clId="{E28319FA-8B03-FD49-94F0-366C0D2800DD}" dt="2020-02-20T21:07:01.999" v="605" actId="20577"/>
+          <ac:spMkLst>
+            <pc:docMk/>
+            <pc:sldMk cId="3908130302" sldId="322"/>
+            <ac:spMk id="3" creationId="{31562D37-4B19-A348-A12B-27CC506AF9D7}"/>
+          </ac:spMkLst>
+        </pc:spChg>
+      </pc:sldChg>
+      <pc:sldChg chg="addSp delSp modSp new mod ord modClrScheme chgLayout">
+        <pc:chgData name="Michaeljon Miller" userId="c575fe5cddd8b8cf" providerId="LiveId" clId="{E28319FA-8B03-FD49-94F0-366C0D2800DD}" dt="2020-02-20T21:24:30.590" v="825" actId="1076"/>
+        <pc:sldMkLst>
+          <pc:docMk/>
+          <pc:sldMk cId="3161449652" sldId="323"/>
+        </pc:sldMkLst>
+        <pc:spChg chg="mod ord">
+          <ac:chgData name="Michaeljon Miller" userId="c575fe5cddd8b8cf" providerId="LiveId" clId="{E28319FA-8B03-FD49-94F0-366C0D2800DD}" dt="2020-02-20T21:18:51.374" v="800" actId="700"/>
+          <ac:spMkLst>
+            <pc:docMk/>
+            <pc:sldMk cId="3161449652" sldId="323"/>
+            <ac:spMk id="2" creationId="{49E9FE84-D861-8444-B8BC-03CD760CEBBE}"/>
+          </ac:spMkLst>
+        </pc:spChg>
+        <pc:spChg chg="del mod ord">
+          <ac:chgData name="Michaeljon Miller" userId="c575fe5cddd8b8cf" providerId="LiveId" clId="{E28319FA-8B03-FD49-94F0-366C0D2800DD}" dt="2020-02-20T21:13:45.822" v="770" actId="700"/>
+          <ac:spMkLst>
+            <pc:docMk/>
+            <pc:sldMk cId="3161449652" sldId="323"/>
+            <ac:spMk id="3" creationId="{C7F66F33-5420-6146-BBE5-9AE44B70A7A8}"/>
+          </ac:spMkLst>
+        </pc:spChg>
+        <pc:spChg chg="add del mod ord">
+          <ac:chgData name="Michaeljon Miller" userId="c575fe5cddd8b8cf" providerId="LiveId" clId="{E28319FA-8B03-FD49-94F0-366C0D2800DD}" dt="2020-02-20T21:18:51.374" v="800" actId="700"/>
+          <ac:spMkLst>
+            <pc:docMk/>
+            <pc:sldMk cId="3161449652" sldId="323"/>
+            <ac:spMk id="4" creationId="{DA808F6A-118C-7E45-9900-CA6F9CAF3831}"/>
+          </ac:spMkLst>
+        </pc:spChg>
+        <pc:spChg chg="add del mod ord">
+          <ac:chgData name="Michaeljon Miller" userId="c575fe5cddd8b8cf" providerId="LiveId" clId="{E28319FA-8B03-FD49-94F0-366C0D2800DD}" dt="2020-02-20T21:18:48.243" v="799" actId="478"/>
+          <ac:spMkLst>
+            <pc:docMk/>
+            <pc:sldMk cId="3161449652" sldId="323"/>
+            <ac:spMk id="5" creationId="{A5B1C20A-E7E8-AB40-BB6D-F739D0F219D5}"/>
+          </ac:spMkLst>
+        </pc:spChg>
+        <pc:spChg chg="add del mod ord">
+          <ac:chgData name="Michaeljon Miller" userId="c575fe5cddd8b8cf" providerId="LiveId" clId="{E28319FA-8B03-FD49-94F0-366C0D2800DD}" dt="2020-02-20T21:22:24.855" v="814"/>
+          <ac:spMkLst>
+            <pc:docMk/>
+            <pc:sldMk cId="3161449652" sldId="323"/>
+            <ac:spMk id="6" creationId="{0EAF2F8C-A34D-8045-A5EF-007CF950B5CA}"/>
+          </ac:spMkLst>
+        </pc:spChg>
+        <pc:picChg chg="add mod">
+          <ac:chgData name="Michaeljon Miller" userId="c575fe5cddd8b8cf" providerId="LiveId" clId="{E28319FA-8B03-FD49-94F0-366C0D2800DD}" dt="2020-02-20T21:24:30.590" v="825" actId="1076"/>
+          <ac:picMkLst>
+            <pc:docMk/>
+            <pc:sldMk cId="3161449652" sldId="323"/>
+            <ac:picMk id="7" creationId="{3AF71840-A875-1A44-81E7-F5FBDAC94405}"/>
+          </ac:picMkLst>
+        </pc:picChg>
+      </pc:sldChg>
+      <pc:sldChg chg="addSp delSp modSp add">
+        <pc:chgData name="Michaeljon Miller" userId="c575fe5cddd8b8cf" providerId="LiveId" clId="{E28319FA-8B03-FD49-94F0-366C0D2800DD}" dt="2020-02-20T21:24:09.083" v="819" actId="1076"/>
+        <pc:sldMkLst>
+          <pc:docMk/>
+          <pc:sldMk cId="1254589516" sldId="324"/>
+        </pc:sldMkLst>
+        <pc:spChg chg="add del mod">
+          <ac:chgData name="Michaeljon Miller" userId="c575fe5cddd8b8cf" providerId="LiveId" clId="{E28319FA-8B03-FD49-94F0-366C0D2800DD}" dt="2020-02-20T21:23:58.637" v="817"/>
+          <ac:spMkLst>
+            <pc:docMk/>
+            <pc:sldMk cId="1254589516" sldId="324"/>
+            <ac:spMk id="4" creationId="{BBBAF2FE-2F76-DB45-B269-6DA620726E53}"/>
+          </ac:spMkLst>
+        </pc:spChg>
+        <pc:picChg chg="add mod">
+          <ac:chgData name="Michaeljon Miller" userId="c575fe5cddd8b8cf" providerId="LiveId" clId="{E28319FA-8B03-FD49-94F0-366C0D2800DD}" dt="2020-02-20T21:24:09.083" v="819" actId="1076"/>
+          <ac:picMkLst>
+            <pc:docMk/>
+            <pc:sldMk cId="1254589516" sldId="324"/>
+            <ac:picMk id="5" creationId="{BE31CDD3-CE8F-BB45-B0B6-17594A1E376D}"/>
+          </ac:picMkLst>
+        </pc:picChg>
+        <pc:picChg chg="del">
+          <ac:chgData name="Michaeljon Miller" userId="c575fe5cddd8b8cf" providerId="LiveId" clId="{E28319FA-8B03-FD49-94F0-366C0D2800DD}" dt="2020-02-20T21:23:57.360" v="816" actId="478"/>
+          <ac:picMkLst>
+            <pc:docMk/>
+            <pc:sldMk cId="1254589516" sldId="324"/>
+            <ac:picMk id="7" creationId="{3AF71840-A875-1A44-81E7-F5FBDAC94405}"/>
+          </ac:picMkLst>
+        </pc:picChg>
+      </pc:sldChg>
+    </pc:docChg>
+  </pc:docChgLst>
   <pc:docChgLst>
     <pc:chgData name="Michaeljon Miller" userId="c575fe5cddd8b8cf" providerId="LiveId" clId="{24259EFF-0F1A-B443-ADCE-CB3B805B4073}"/>
     <pc:docChg chg="undo custSel addSld modSld">
@@ -1222,7 +1493,7 @@
           <a:p>
             <a:fld id="{F6B34333-C34F-024A-B25E-072C0F9B2095}" type="datetimeFigureOut">
               <a:rPr lang="en-US" smtClean="0"/>
-              <a:t>1/30/19</a:t>
+              <a:t>2/20/20</a:t>
             </a:fld>
             <a:endParaRPr lang="en-US"/>
           </a:p>
@@ -1390,7 +1661,7 @@
           <a:p>
             <a:fld id="{F6B34333-C34F-024A-B25E-072C0F9B2095}" type="datetimeFigureOut">
               <a:rPr lang="en-US" smtClean="0"/>
-              <a:t>1/30/19</a:t>
+              <a:t>2/20/20</a:t>
             </a:fld>
             <a:endParaRPr lang="en-US"/>
           </a:p>
@@ -1568,7 +1839,7 @@
           <a:p>
             <a:fld id="{F6B34333-C34F-024A-B25E-072C0F9B2095}" type="datetimeFigureOut">
               <a:rPr lang="en-US" smtClean="0"/>
-              <a:t>1/30/19</a:t>
+              <a:t>2/20/20</a:t>
             </a:fld>
             <a:endParaRPr lang="en-US"/>
           </a:p>
@@ -1736,7 +2007,7 @@
           <a:p>
             <a:fld id="{F6B34333-C34F-024A-B25E-072C0F9B2095}" type="datetimeFigureOut">
               <a:rPr lang="en-US" smtClean="0"/>
-              <a:t>1/30/19</a:t>
+              <a:t>2/20/20</a:t>
             </a:fld>
             <a:endParaRPr lang="en-US"/>
           </a:p>
@@ -1981,7 +2252,7 @@
           <a:p>
             <a:fld id="{F6B34333-C34F-024A-B25E-072C0F9B2095}" type="datetimeFigureOut">
               <a:rPr lang="en-US" smtClean="0"/>
-              <a:t>1/30/19</a:t>
+              <a:t>2/20/20</a:t>
             </a:fld>
             <a:endParaRPr lang="en-US"/>
           </a:p>
@@ -2210,7 +2481,7 @@
           <a:p>
             <a:fld id="{F6B34333-C34F-024A-B25E-072C0F9B2095}" type="datetimeFigureOut">
               <a:rPr lang="en-US" smtClean="0"/>
-              <a:t>1/30/19</a:t>
+              <a:t>2/20/20</a:t>
             </a:fld>
             <a:endParaRPr lang="en-US"/>
           </a:p>
@@ -2574,7 +2845,7 @@
           <a:p>
             <a:fld id="{F6B34333-C34F-024A-B25E-072C0F9B2095}" type="datetimeFigureOut">
               <a:rPr lang="en-US" smtClean="0"/>
-              <a:t>1/30/19</a:t>
+              <a:t>2/20/20</a:t>
             </a:fld>
             <a:endParaRPr lang="en-US"/>
           </a:p>
@@ -2691,7 +2962,7 @@
           <a:p>
             <a:fld id="{F6B34333-C34F-024A-B25E-072C0F9B2095}" type="datetimeFigureOut">
               <a:rPr lang="en-US" smtClean="0"/>
-              <a:t>1/30/19</a:t>
+              <a:t>2/20/20</a:t>
             </a:fld>
             <a:endParaRPr lang="en-US"/>
           </a:p>
@@ -2786,7 +3057,7 @@
           <a:p>
             <a:fld id="{F6B34333-C34F-024A-B25E-072C0F9B2095}" type="datetimeFigureOut">
               <a:rPr lang="en-US" smtClean="0"/>
-              <a:t>1/30/19</a:t>
+              <a:t>2/20/20</a:t>
             </a:fld>
             <a:endParaRPr lang="en-US"/>
           </a:p>
@@ -3061,7 +3332,7 @@
           <a:p>
             <a:fld id="{F6B34333-C34F-024A-B25E-072C0F9B2095}" type="datetimeFigureOut">
               <a:rPr lang="en-US" smtClean="0"/>
-              <a:t>1/30/19</a:t>
+              <a:t>2/20/20</a:t>
             </a:fld>
             <a:endParaRPr lang="en-US"/>
           </a:p>
@@ -3313,7 +3584,7 @@
           <a:p>
             <a:fld id="{F6B34333-C34F-024A-B25E-072C0F9B2095}" type="datetimeFigureOut">
               <a:rPr lang="en-US" smtClean="0"/>
-              <a:t>1/30/19</a:t>
+              <a:t>2/20/20</a:t>
             </a:fld>
             <a:endParaRPr lang="en-US"/>
           </a:p>
@@ -3524,7 +3795,7 @@
           <a:p>
             <a:fld id="{F6B34333-C34F-024A-B25E-072C0F9B2095}" type="datetimeFigureOut">
               <a:rPr lang="en-US" smtClean="0"/>
-              <a:t>1/30/19</a:t>
+              <a:t>2/20/20</a:t>
             </a:fld>
             <a:endParaRPr lang="en-US"/>
           </a:p>
@@ -4032,7 +4303,7 @@
           <a:p>
             <a:r>
               <a:rPr lang="en-US" dirty="0"/>
-              <a:t>And</a:t>
+              <a:t>Archeological expedition – what we found</a:t>
             </a:r>
           </a:p>
         </p:txBody>
@@ -4049,7 +4320,9 @@
         </p:nvSpPr>
         <p:spPr/>
         <p:txBody>
-          <a:bodyPr/>
+          <a:bodyPr>
+            <a:normAutofit lnSpcReduction="10000"/>
+          </a:bodyPr>
           <a:lstStyle/>
           <a:p>
             <a:pPr marL="0" indent="0">
@@ -4057,7 +4330,7 @@
             </a:pPr>
             <a:r>
               <a:rPr lang="en-US" dirty="0"/>
-              <a:t>Many private APIs were no longer private</a:t>
+              <a:t>Some processing, address resolution, takes ~28ms each</a:t>
             </a:r>
           </a:p>
           <a:p>
@@ -4066,7 +4339,7 @@
             </a:pPr>
             <a:r>
               <a:rPr lang="en-US" dirty="0"/>
-              <a:t>A single batch request could take an entire blade offline</a:t>
+              <a:t>The system has 8 address ”resolvers”</a:t>
             </a:r>
           </a:p>
           <a:p>
@@ -4075,62 +4348,156 @@
             </a:pPr>
             <a:r>
               <a:rPr lang="en-US" dirty="0"/>
-              <a:t>There was one database, but 30+ downstream </a:t>
-            </a:r>
-            <a:r>
-              <a:rPr lang="en-US" dirty="0" err="1"/>
-              <a:t>replicants</a:t>
+              <a:t>Some parts of the software talk to itself</a:t>
+            </a:r>
+            <a:r>
+              <a:rPr lang="is-IS" dirty="0"/>
+              <a:t>… using SOAP</a:t>
+            </a:r>
+          </a:p>
+          <a:p>
+            <a:pPr marL="0" indent="0">
+              <a:buNone/>
+            </a:pPr>
+            <a:r>
+              <a:rPr lang="is-IS" dirty="0"/>
+              <a:t>The tax calculation engine was following the wrong process</a:t>
+            </a:r>
+          </a:p>
+          <a:p>
+            <a:pPr marL="0" indent="0">
+              <a:buNone/>
+            </a:pPr>
+            <a:r>
+              <a:rPr lang="is-IS" dirty="0"/>
+              <a:t>Many tax rules were incorrect</a:t>
+            </a:r>
+          </a:p>
+          <a:p>
+            <a:pPr marL="0" indent="0">
+              <a:buNone/>
+            </a:pPr>
+            <a:r>
+              <a:rPr lang="is-IS" dirty="0"/>
+              <a:t>Sales and marketing mis-estimated growth by a factor of 100</a:t>
+            </a:r>
+          </a:p>
+          <a:p>
+            <a:pPr marL="0" indent="0">
+              <a:buNone/>
+            </a:pPr>
+            <a:r>
+              <a:rPr lang="is-IS" dirty="0"/>
+              <a:t>Customers knew the calc budget better than we did</a:t>
+            </a:r>
+          </a:p>
+          <a:p>
+            <a:pPr marL="0" indent="0">
+              <a:buNone/>
+            </a:pPr>
+            <a:endParaRPr lang="is-IS" dirty="0"/>
+          </a:p>
+          <a:p>
+            <a:pPr marL="0" indent="0">
+              <a:buNone/>
+            </a:pPr>
+            <a:r>
+              <a:rPr lang="is-IS" dirty="0"/>
+              <a:t>...and they’d call us when we exceeded it</a:t>
             </a:r>
             <a:endParaRPr lang="en-US" dirty="0"/>
-          </a:p>
-          <a:p>
-            <a:pPr marL="0" indent="0">
-              <a:buNone/>
-            </a:pPr>
-            <a:r>
-              <a:rPr lang="en-US" dirty="0"/>
-              <a:t>Microsoft-hatred was rampant and pervasive</a:t>
-            </a:r>
-          </a:p>
-          <a:p>
-            <a:pPr marL="0" indent="0">
-              <a:buNone/>
-            </a:pPr>
-            <a:r>
-              <a:rPr lang="en-US" dirty="0"/>
-              <a:t>The SDK was perpetually 4+ releases behind</a:t>
-            </a:r>
-          </a:p>
-          <a:p>
-            <a:pPr marL="0" indent="0">
-              <a:buNone/>
-            </a:pPr>
-            <a:r>
-              <a:rPr lang="en-US" dirty="0"/>
-              <a:t>The spaghetti code meant steps could be repeated</a:t>
-            </a:r>
-          </a:p>
-          <a:p>
-            <a:pPr marL="0" indent="0">
-              <a:buNone/>
-            </a:pPr>
-            <a:r>
-              <a:rPr lang="en-US" dirty="0"/>
-              <a:t>Comments had become useless</a:t>
-            </a:r>
           </a:p>
         </p:txBody>
       </p:sp>
     </p:spTree>
     <p:extLst>
       <p:ext uri="{BB962C8B-B14F-4D97-AF65-F5344CB8AC3E}">
-        <p14:creationId xmlns:p14="http://schemas.microsoft.com/office/powerpoint/2010/main" val="393587407"/>
+        <p14:creationId xmlns:p14="http://schemas.microsoft.com/office/powerpoint/2010/main" val="1502120111"/>
       </p:ext>
     </p:extLst>
   </p:cSld>
   <p:clrMapOvr>
     <a:masterClrMapping/>
   </p:clrMapOvr>
+  <p:timing>
+    <p:tnLst>
+      <p:par>
+        <p:cTn id="1" dur="indefinite" restart="never" nodeType="tmRoot">
+          <p:childTnLst>
+            <p:seq concurrent="1" nextAc="seek">
+              <p:cTn id="2" dur="indefinite" nodeType="mainSeq">
+                <p:childTnLst>
+                  <p:par>
+                    <p:cTn id="3" fill="hold">
+                      <p:stCondLst>
+                        <p:cond delay="indefinite"/>
+                      </p:stCondLst>
+                      <p:childTnLst>
+                        <p:par>
+                          <p:cTn id="4" fill="hold">
+                            <p:stCondLst>
+                              <p:cond delay="0"/>
+                            </p:stCondLst>
+                            <p:childTnLst>
+                              <p:par>
+                                <p:cTn id="5" presetID="1" presetClass="entr" presetSubtype="0" fill="hold" nodeType="clickEffect">
+                                  <p:stCondLst>
+                                    <p:cond delay="0"/>
+                                  </p:stCondLst>
+                                  <p:childTnLst>
+                                    <p:set>
+                                      <p:cBhvr>
+                                        <p:cTn id="6" dur="1" fill="hold">
+                                          <p:stCondLst>
+                                            <p:cond delay="0"/>
+                                          </p:stCondLst>
+                                        </p:cTn>
+                                        <p:tgtEl>
+                                          <p:spTgt spid="3">
+                                            <p:txEl>
+                                              <p:pRg st="8" end="8"/>
+                                            </p:txEl>
+                                          </p:spTgt>
+                                        </p:tgtEl>
+                                        <p:attrNameLst>
+                                          <p:attrName>style.visibility</p:attrName>
+                                        </p:attrNameLst>
+                                      </p:cBhvr>
+                                      <p:to>
+                                        <p:strVal val="visible"/>
+                                      </p:to>
+                                    </p:set>
+                                  </p:childTnLst>
+                                </p:cTn>
+                              </p:par>
+                            </p:childTnLst>
+                          </p:cTn>
+                        </p:par>
+                      </p:childTnLst>
+                    </p:cTn>
+                  </p:par>
+                </p:childTnLst>
+              </p:cTn>
+              <p:prevCondLst>
+                <p:cond evt="onPrev" delay="0">
+                  <p:tgtEl>
+                    <p:sldTgt/>
+                  </p:tgtEl>
+                </p:cond>
+              </p:prevCondLst>
+              <p:nextCondLst>
+                <p:cond evt="onNext" delay="0">
+                  <p:tgtEl>
+                    <p:sldTgt/>
+                  </p:tgtEl>
+                </p:cond>
+              </p:nextCondLst>
+            </p:seq>
+          </p:childTnLst>
+        </p:cTn>
+      </p:par>
+    </p:tnLst>
+  </p:timing>
 </p:sld>
 </file>
 
@@ -4153,13 +4520,7 @@
       </p:grpSpPr>
       <p:sp>
         <p:nvSpPr>
-          <p:cNvPr id="2" name="Title 1">
-            <a:extLst>
-              <a:ext uri="{FF2B5EF4-FFF2-40B4-BE49-F238E27FC236}">
-                <a16:creationId xmlns:a16="http://schemas.microsoft.com/office/drawing/2014/main" id="{D87A7FDA-0172-A340-94C8-0AC0A3AF370C}"/>
-              </a:ext>
-            </a:extLst>
-          </p:cNvPr>
+          <p:cNvPr id="2" name="Title 1"/>
           <p:cNvSpPr>
             <a:spLocks noGrp="1"/>
           </p:cNvSpPr>
@@ -4174,25 +4535,19 @@
           <a:p>
             <a:r>
               <a:rPr lang="en-US" dirty="0"/>
-              <a:t>The approach</a:t>
-            </a:r>
-          </a:p>
-        </p:txBody>
-      </p:sp>
-      <p:sp>
-        <p:nvSpPr>
-          <p:cNvPr id="3" name="Text Placeholder 2">
-            <a:extLst>
-              <a:ext uri="{FF2B5EF4-FFF2-40B4-BE49-F238E27FC236}">
-                <a16:creationId xmlns:a16="http://schemas.microsoft.com/office/drawing/2014/main" id="{3F509381-C318-DB46-83E9-D785C02E6355}"/>
-              </a:ext>
-            </a:extLst>
-          </p:cNvPr>
-          <p:cNvSpPr>
-            <a:spLocks noGrp="1"/>
-          </p:cNvSpPr>
-          <p:nvPr>
-            <p:ph type="body" idx="1"/>
+              <a:t>And, nobody wanted to kiss the frog</a:t>
+            </a:r>
+          </a:p>
+        </p:txBody>
+      </p:sp>
+      <p:sp>
+        <p:nvSpPr>
+          <p:cNvPr id="3" name="Content Placeholder 2"/>
+          <p:cNvSpPr>
+            <a:spLocks noGrp="1"/>
+          </p:cNvSpPr>
+          <p:nvPr>
+            <p:ph idx="1"/>
           </p:nvPr>
         </p:nvSpPr>
         <p:spPr/>
@@ -4200,14 +4555,79 @@
           <a:bodyPr/>
           <a:lstStyle/>
           <a:p>
-            <a:endParaRPr lang="en-US"/>
+            <a:pPr marL="0" indent="0">
+              <a:buNone/>
+            </a:pPr>
+            <a:r>
+              <a:rPr lang="en-US" dirty="0"/>
+              <a:t>Many private APIs were no longer private</a:t>
+            </a:r>
+          </a:p>
+          <a:p>
+            <a:pPr marL="0" indent="0">
+              <a:buNone/>
+            </a:pPr>
+            <a:r>
+              <a:rPr lang="en-US" dirty="0"/>
+              <a:t>A single batch request could take an entire blade offline</a:t>
+            </a:r>
+          </a:p>
+          <a:p>
+            <a:pPr marL="0" indent="0">
+              <a:buNone/>
+            </a:pPr>
+            <a:r>
+              <a:rPr lang="en-US" dirty="0"/>
+              <a:t>There was one database, but 30+ downstream </a:t>
+            </a:r>
+            <a:r>
+              <a:rPr lang="en-US" dirty="0" err="1"/>
+              <a:t>replicants</a:t>
+            </a:r>
+            <a:endParaRPr lang="en-US" dirty="0"/>
+          </a:p>
+          <a:p>
+            <a:pPr marL="0" indent="0">
+              <a:buNone/>
+            </a:pPr>
+            <a:r>
+              <a:rPr lang="en-US" dirty="0"/>
+              <a:t>Microsoft-hatred was rampant and pervasive</a:t>
+            </a:r>
+          </a:p>
+          <a:p>
+            <a:pPr marL="0" indent="0">
+              <a:buNone/>
+            </a:pPr>
+            <a:r>
+              <a:rPr lang="en-US" dirty="0"/>
+              <a:t>The SDK was perpetually 4+ releases behind</a:t>
+            </a:r>
+          </a:p>
+          <a:p>
+            <a:pPr marL="0" indent="0">
+              <a:buNone/>
+            </a:pPr>
+            <a:r>
+              <a:rPr lang="en-US" dirty="0"/>
+              <a:t>The spaghetti code meant steps could be repeated</a:t>
+            </a:r>
+          </a:p>
+          <a:p>
+            <a:pPr marL="0" indent="0">
+              <a:buNone/>
+            </a:pPr>
+            <a:r>
+              <a:rPr lang="en-US" dirty="0"/>
+              <a:t>Comments had become useless</a:t>
+            </a:r>
           </a:p>
         </p:txBody>
       </p:sp>
     </p:spTree>
     <p:extLst>
       <p:ext uri="{BB962C8B-B14F-4D97-AF65-F5344CB8AC3E}">
-        <p14:creationId xmlns:p14="http://schemas.microsoft.com/office/powerpoint/2010/main" val="2870458706"/>
+        <p14:creationId xmlns:p14="http://schemas.microsoft.com/office/powerpoint/2010/main" val="393587407"/>
       </p:ext>
     </p:extLst>
   </p:cSld>
@@ -4236,7 +4656,13 @@
       </p:grpSpPr>
       <p:sp>
         <p:nvSpPr>
-          <p:cNvPr id="2" name="Title 1"/>
+          <p:cNvPr id="2" name="Title 1">
+            <a:extLst>
+              <a:ext uri="{FF2B5EF4-FFF2-40B4-BE49-F238E27FC236}">
+                <a16:creationId xmlns:a16="http://schemas.microsoft.com/office/drawing/2014/main" id="{D87A7FDA-0172-A340-94C8-0AC0A3AF370C}"/>
+              </a:ext>
+            </a:extLst>
+          </p:cNvPr>
           <p:cNvSpPr>
             <a:spLocks noGrp="1"/>
           </p:cNvSpPr>
@@ -4250,131 +4676,44 @@
           <a:lstStyle/>
           <a:p>
             <a:r>
-              <a:rPr lang="en-US"/>
-              <a:t>So, four parallel workstreams</a:t>
-            </a:r>
-            <a:endParaRPr lang="en-US" dirty="0"/>
-          </a:p>
-        </p:txBody>
-      </p:sp>
-      <p:sp>
-        <p:nvSpPr>
-          <p:cNvPr id="3" name="Content Placeholder 2"/>
-          <p:cNvSpPr>
-            <a:spLocks noGrp="1"/>
-          </p:cNvSpPr>
-          <p:nvPr>
-            <p:ph idx="1"/>
+              <a:rPr lang="en-US" dirty="0"/>
+              <a:t>The approach</a:t>
+            </a:r>
+          </a:p>
+        </p:txBody>
+      </p:sp>
+      <p:sp>
+        <p:nvSpPr>
+          <p:cNvPr id="3" name="Text Placeholder 2">
+            <a:extLst>
+              <a:ext uri="{FF2B5EF4-FFF2-40B4-BE49-F238E27FC236}">
+                <a16:creationId xmlns:a16="http://schemas.microsoft.com/office/drawing/2014/main" id="{3F509381-C318-DB46-83E9-D785C02E6355}"/>
+              </a:ext>
+            </a:extLst>
+          </p:cNvPr>
+          <p:cNvSpPr>
+            <a:spLocks noGrp="1"/>
+          </p:cNvSpPr>
+          <p:nvPr>
+            <p:ph type="body" idx="1"/>
           </p:nvPr>
         </p:nvSpPr>
         <p:spPr/>
         <p:txBody>
-          <a:bodyPr>
-            <a:normAutofit lnSpcReduction="10000"/>
-          </a:bodyPr>
-          <a:lstStyle/>
-          <a:p>
-            <a:pPr marL="0" indent="0">
-              <a:buNone/>
-            </a:pPr>
-            <a:r>
-              <a:rPr lang="en-US" dirty="0"/>
-              <a:t>Reverse engineer the tax rules</a:t>
-            </a:r>
-          </a:p>
-          <a:p>
-            <a:pPr marL="457200" lvl="1" indent="0">
-              <a:buNone/>
-            </a:pPr>
-            <a:r>
-              <a:rPr lang="en-US" dirty="0"/>
-              <a:t>Pull the few that were “in the database”</a:t>
-            </a:r>
-          </a:p>
-          <a:p>
-            <a:pPr marL="457200" lvl="1" indent="0">
-              <a:buNone/>
-            </a:pPr>
-            <a:r>
-              <a:rPr lang="en-US" dirty="0"/>
-              <a:t>Identify the ones in the code</a:t>
-            </a:r>
-          </a:p>
-          <a:p>
-            <a:pPr marL="0" indent="0">
-              <a:buNone/>
-            </a:pPr>
-            <a:r>
-              <a:rPr lang="en-US" dirty="0"/>
-              <a:t>Document and validate the actual tax rule calculation process</a:t>
-            </a:r>
-          </a:p>
-          <a:p>
-            <a:pPr marL="457200" lvl="1" indent="0">
-              <a:buNone/>
-            </a:pPr>
-            <a:r>
-              <a:rPr lang="en-US" dirty="0"/>
-              <a:t>This was a classic case of RTFM and ask the SME</a:t>
-            </a:r>
-          </a:p>
-          <a:p>
-            <a:pPr marL="0" indent="0">
-              <a:buNone/>
-            </a:pPr>
-            <a:r>
-              <a:rPr lang="en-US" dirty="0"/>
-              <a:t>Figure out what was happening with addresses</a:t>
-            </a:r>
-          </a:p>
-          <a:p>
-            <a:pPr marL="457200" lvl="1" indent="0">
-              <a:buNone/>
-            </a:pPr>
-            <a:r>
-              <a:rPr lang="en-US" dirty="0"/>
-              <a:t>Figure out what a correct address was, and fast</a:t>
-            </a:r>
-          </a:p>
-          <a:p>
-            <a:pPr marL="457200" lvl="1" indent="0">
-              <a:buNone/>
-            </a:pPr>
-            <a:r>
-              <a:rPr lang="en-US" dirty="0"/>
-              <a:t>Run the address resolution process sub-28ms each</a:t>
-            </a:r>
-          </a:p>
-          <a:p>
-            <a:pPr marL="0" indent="0">
-              <a:buNone/>
-            </a:pPr>
-            <a:r>
-              <a:rPr lang="en-US" dirty="0"/>
-              <a:t>Reduce the time to tile the map</a:t>
-            </a:r>
-          </a:p>
-          <a:p>
-            <a:pPr marL="457200" lvl="1" indent="0">
-              <a:buNone/>
-            </a:pPr>
-            <a:r>
-              <a:rPr lang="en-US" dirty="0"/>
-              <a:t>This process took hours and hours and hours, and was producing bad data</a:t>
-            </a:r>
-          </a:p>
-          <a:p>
-            <a:pPr marL="0" indent="0">
-              <a:buNone/>
-            </a:pPr>
-            <a:endParaRPr lang="en-US" dirty="0"/>
+          <a:bodyPr/>
+          <a:lstStyle/>
+          <a:p>
+            <a:r>
+              <a:rPr lang="en-US" dirty="0"/>
+              <a:t>Send in the cavalry (literally)</a:t>
+            </a:r>
           </a:p>
         </p:txBody>
       </p:sp>
     </p:spTree>
     <p:extLst>
       <p:ext uri="{BB962C8B-B14F-4D97-AF65-F5344CB8AC3E}">
-        <p14:creationId xmlns:p14="http://schemas.microsoft.com/office/powerpoint/2010/main" val="2114634982"/>
+        <p14:creationId xmlns:p14="http://schemas.microsoft.com/office/powerpoint/2010/main" val="2870458706"/>
       </p:ext>
     </p:extLst>
   </p:cSld>
@@ -4417,9 +4756,10 @@
           <a:lstStyle/>
           <a:p>
             <a:r>
-              <a:rPr lang="en-US" dirty="0"/>
-              <a:t>What we came up with</a:t>
-            </a:r>
+              <a:rPr lang="en-US"/>
+              <a:t>So, four parallel workstreams</a:t>
+            </a:r>
+            <a:endParaRPr lang="en-US" dirty="0"/>
           </a:p>
         </p:txBody>
       </p:sp>
@@ -4435,7 +4775,9 @@
         </p:nvSpPr>
         <p:spPr/>
         <p:txBody>
-          <a:bodyPr/>
+          <a:bodyPr>
+            <a:normAutofit lnSpcReduction="10000"/>
+          </a:bodyPr>
           <a:lstStyle/>
           <a:p>
             <a:pPr marL="0" indent="0">
@@ -4443,7 +4785,25 @@
             </a:pPr>
             <a:r>
               <a:rPr lang="en-US" dirty="0"/>
-              <a:t>A grand unified theory of tax calculation</a:t>
+              <a:t>Reverse engineer the tax rules</a:t>
+            </a:r>
+          </a:p>
+          <a:p>
+            <a:pPr marL="457200" lvl="1" indent="0">
+              <a:buNone/>
+            </a:pPr>
+            <a:r>
+              <a:rPr lang="en-US" dirty="0"/>
+              <a:t>Pull the few that were “in the database”</a:t>
+            </a:r>
+          </a:p>
+          <a:p>
+            <a:pPr marL="457200" lvl="1" indent="0">
+              <a:buNone/>
+            </a:pPr>
+            <a:r>
+              <a:rPr lang="en-US" dirty="0"/>
+              <a:t>Identify the ones in the code</a:t>
             </a:r>
           </a:p>
           <a:p>
@@ -4452,7 +4812,16 @@
             </a:pPr>
             <a:r>
               <a:rPr lang="en-US" dirty="0"/>
-              <a:t>A set of 18 tax rule patterns with parameters</a:t>
+              <a:t>Document and validate the actual tax rule calculation process</a:t>
+            </a:r>
+          </a:p>
+          <a:p>
+            <a:pPr marL="457200" lvl="1" indent="0">
+              <a:buNone/>
+            </a:pPr>
+            <a:r>
+              <a:rPr lang="en-US" dirty="0"/>
+              <a:t>This was a classic case of RTFM and ask the SME</a:t>
             </a:r>
           </a:p>
           <a:p>
@@ -4461,7 +4830,25 @@
             </a:pPr>
             <a:r>
               <a:rPr lang="en-US" dirty="0"/>
-              <a:t>A DSL to describe tax rules and an engine to run them</a:t>
+              <a:t>Figure out what was happening with addresses</a:t>
+            </a:r>
+          </a:p>
+          <a:p>
+            <a:pPr marL="457200" lvl="1" indent="0">
+              <a:buNone/>
+            </a:pPr>
+            <a:r>
+              <a:rPr lang="en-US" dirty="0"/>
+              <a:t>Figure out what a correct address was, and fast</a:t>
+            </a:r>
+          </a:p>
+          <a:p>
+            <a:pPr marL="457200" lvl="1" indent="0">
+              <a:buNone/>
+            </a:pPr>
+            <a:r>
+              <a:rPr lang="en-US" dirty="0"/>
+              <a:t>Run the address resolution process sub-28ms each</a:t>
             </a:r>
           </a:p>
           <a:p>
@@ -4470,33 +4857,30 @@
             </a:pPr>
             <a:r>
               <a:rPr lang="en-US" dirty="0"/>
-              <a:t>A highly distributed architecture</a:t>
+              <a:t>Reduce the time to tile the map</a:t>
+            </a:r>
+          </a:p>
+          <a:p>
+            <a:pPr marL="457200" lvl="1" indent="0">
+              <a:buNone/>
+            </a:pPr>
+            <a:r>
+              <a:rPr lang="en-US" dirty="0"/>
+              <a:t>This process took hours and hours and hours, and was producing bad data</a:t>
             </a:r>
           </a:p>
           <a:p>
             <a:pPr marL="0" indent="0">
               <a:buNone/>
             </a:pPr>
-            <a:r>
-              <a:rPr lang="en-US" dirty="0"/>
-              <a:t>A completely different map tiling approach</a:t>
-            </a:r>
-          </a:p>
-          <a:p>
-            <a:pPr marL="0" indent="0">
-              <a:buNone/>
-            </a:pPr>
-            <a:r>
-              <a:rPr lang="en-US" dirty="0"/>
-              <a:t>A set of optimized service-local storage patterns</a:t>
-            </a:r>
+            <a:endParaRPr lang="en-US" dirty="0"/>
           </a:p>
         </p:txBody>
       </p:sp>
     </p:spTree>
     <p:extLst>
       <p:ext uri="{BB962C8B-B14F-4D97-AF65-F5344CB8AC3E}">
-        <p14:creationId xmlns:p14="http://schemas.microsoft.com/office/powerpoint/2010/main" val="1294989470"/>
+        <p14:creationId xmlns:p14="http://schemas.microsoft.com/office/powerpoint/2010/main" val="2114634982"/>
       </p:ext>
     </p:extLst>
   </p:cSld>
@@ -4540,7 +4924,7 @@
           <a:p>
             <a:r>
               <a:rPr lang="en-US" dirty="0"/>
-              <a:t>The tech we landed on</a:t>
+              <a:t>What we came up with</a:t>
             </a:r>
           </a:p>
         </p:txBody>
@@ -4557,9 +4941,7 @@
         </p:nvSpPr>
         <p:spPr/>
         <p:txBody>
-          <a:bodyPr>
-            <a:normAutofit lnSpcReduction="10000"/>
-          </a:bodyPr>
+          <a:bodyPr/>
           <a:lstStyle/>
           <a:p>
             <a:pPr marL="0" indent="0">
@@ -4567,7 +4949,7 @@
             </a:pPr>
             <a:r>
               <a:rPr lang="en-US" dirty="0"/>
-              <a:t>AWS EC2 instances running Windows Server</a:t>
+              <a:t>A grand unified theory of tax calculation</a:t>
             </a:r>
           </a:p>
           <a:p>
@@ -4576,7 +4958,7 @@
             </a:pPr>
             <a:r>
               <a:rPr lang="en-US" dirty="0"/>
-              <a:t>A set of python-based deployment scripts</a:t>
+              <a:t>A set of 18 tax rule patterns with parameters</a:t>
             </a:r>
           </a:p>
           <a:p>
@@ -4585,7 +4967,7 @@
             </a:pPr>
             <a:r>
               <a:rPr lang="en-US" dirty="0"/>
-              <a:t>100,000 lines of C# with 60,000 of them as test code (from 1.5MM)</a:t>
+              <a:t>A DSL to describe tax rules and an engine to run them</a:t>
             </a:r>
           </a:p>
           <a:p>
@@ -4594,7 +4976,7 @@
             </a:pPr>
             <a:r>
               <a:rPr lang="en-US" dirty="0"/>
-              <a:t>A single REST “API” for calculation</a:t>
+              <a:t>A highly distributed architecture</a:t>
             </a:r>
           </a:p>
           <a:p>
@@ -4603,15 +4985,7 @@
             </a:pPr>
             <a:r>
               <a:rPr lang="en-US" dirty="0"/>
-              <a:t>ASP.NET </a:t>
-            </a:r>
-            <a:r>
-              <a:rPr lang="en-US" dirty="0" err="1"/>
-              <a:t>WebAPI</a:t>
-            </a:r>
-            <a:r>
-              <a:rPr lang="en-US" dirty="0"/>
-              <a:t> as the controller layer</a:t>
+              <a:t>A completely different map tiling approach</a:t>
             </a:r>
           </a:p>
           <a:p>
@@ -4619,39 +4993,8 @@
               <a:buNone/>
             </a:pPr>
             <a:r>
-              <a:rPr lang="en-US" dirty="0" err="1"/>
-              <a:t>RabbitMQ</a:t>
-            </a:r>
-            <a:r>
-              <a:rPr lang="en-US" dirty="0"/>
-              <a:t> for time- and space-independence</a:t>
-            </a:r>
-          </a:p>
-          <a:p>
-            <a:pPr marL="0" indent="0">
-              <a:buNone/>
-            </a:pPr>
-            <a:r>
-              <a:rPr lang="en-US" dirty="0"/>
-              <a:t>A suite of code generators to build the communications protocol</a:t>
-            </a:r>
-          </a:p>
-          <a:p>
-            <a:pPr marL="0" indent="0">
-              <a:buNone/>
-            </a:pPr>
-            <a:r>
-              <a:rPr lang="en-US" dirty="0"/>
-              <a:t>Cassandra databases for most storage</a:t>
-            </a:r>
-          </a:p>
-          <a:p>
-            <a:pPr marL="0" indent="0">
-              <a:buNone/>
-            </a:pPr>
-            <a:r>
-              <a:rPr lang="en-US" dirty="0"/>
-              <a:t>Hadoop and friends for reporting, analysis, and returns processing</a:t>
+              <a:rPr lang="en-US" dirty="0"/>
+              <a:t>A set of optimized service-local storage patterns</a:t>
             </a:r>
           </a:p>
         </p:txBody>
@@ -4659,7 +5002,7 @@
     </p:spTree>
     <p:extLst>
       <p:ext uri="{BB962C8B-B14F-4D97-AF65-F5344CB8AC3E}">
-        <p14:creationId xmlns:p14="http://schemas.microsoft.com/office/powerpoint/2010/main" val="729775720"/>
+        <p14:creationId xmlns:p14="http://schemas.microsoft.com/office/powerpoint/2010/main" val="1294989470"/>
       </p:ext>
     </p:extLst>
   </p:cSld>
@@ -4688,6 +5031,169 @@
       </p:grpSpPr>
       <p:sp>
         <p:nvSpPr>
+          <p:cNvPr id="2" name="Title 1"/>
+          <p:cNvSpPr>
+            <a:spLocks noGrp="1"/>
+          </p:cNvSpPr>
+          <p:nvPr>
+            <p:ph type="title"/>
+          </p:nvPr>
+        </p:nvSpPr>
+        <p:spPr/>
+        <p:txBody>
+          <a:bodyPr/>
+          <a:lstStyle/>
+          <a:p>
+            <a:r>
+              <a:rPr lang="en-US" dirty="0"/>
+              <a:t>The tech we landed on</a:t>
+            </a:r>
+          </a:p>
+        </p:txBody>
+      </p:sp>
+      <p:sp>
+        <p:nvSpPr>
+          <p:cNvPr id="3" name="Content Placeholder 2"/>
+          <p:cNvSpPr>
+            <a:spLocks noGrp="1"/>
+          </p:cNvSpPr>
+          <p:nvPr>
+            <p:ph idx="1"/>
+          </p:nvPr>
+        </p:nvSpPr>
+        <p:spPr/>
+        <p:txBody>
+          <a:bodyPr>
+            <a:normAutofit lnSpcReduction="10000"/>
+          </a:bodyPr>
+          <a:lstStyle/>
+          <a:p>
+            <a:pPr marL="0" indent="0">
+              <a:buNone/>
+            </a:pPr>
+            <a:r>
+              <a:rPr lang="en-US" dirty="0"/>
+              <a:t>AWS EC2 instances running Windows Server</a:t>
+            </a:r>
+          </a:p>
+          <a:p>
+            <a:pPr marL="0" indent="0">
+              <a:buNone/>
+            </a:pPr>
+            <a:r>
+              <a:rPr lang="en-US" dirty="0"/>
+              <a:t>A set of python-based deployment scripts</a:t>
+            </a:r>
+          </a:p>
+          <a:p>
+            <a:pPr marL="0" indent="0">
+              <a:buNone/>
+            </a:pPr>
+            <a:r>
+              <a:rPr lang="en-US" dirty="0"/>
+              <a:t>100,000 lines of C# with 60,000 of them as test code (from 1.5MM)</a:t>
+            </a:r>
+          </a:p>
+          <a:p>
+            <a:pPr marL="0" indent="0">
+              <a:buNone/>
+            </a:pPr>
+            <a:r>
+              <a:rPr lang="en-US" dirty="0"/>
+              <a:t>A single REST “API” for calculation</a:t>
+            </a:r>
+          </a:p>
+          <a:p>
+            <a:pPr marL="0" indent="0">
+              <a:buNone/>
+            </a:pPr>
+            <a:r>
+              <a:rPr lang="en-US" dirty="0"/>
+              <a:t>ASP.NET </a:t>
+            </a:r>
+            <a:r>
+              <a:rPr lang="en-US" dirty="0" err="1"/>
+              <a:t>WebAPI</a:t>
+            </a:r>
+            <a:r>
+              <a:rPr lang="en-US" dirty="0"/>
+              <a:t> as the controller layer</a:t>
+            </a:r>
+          </a:p>
+          <a:p>
+            <a:pPr marL="0" indent="0">
+              <a:buNone/>
+            </a:pPr>
+            <a:r>
+              <a:rPr lang="en-US" dirty="0" err="1"/>
+              <a:t>RabbitMQ</a:t>
+            </a:r>
+            <a:r>
+              <a:rPr lang="en-US" dirty="0"/>
+              <a:t> for time- and space-independence</a:t>
+            </a:r>
+          </a:p>
+          <a:p>
+            <a:pPr marL="0" indent="0">
+              <a:buNone/>
+            </a:pPr>
+            <a:r>
+              <a:rPr lang="en-US" dirty="0"/>
+              <a:t>A suite of code generators to build the communications protocol</a:t>
+            </a:r>
+          </a:p>
+          <a:p>
+            <a:pPr marL="0" indent="0">
+              <a:buNone/>
+            </a:pPr>
+            <a:r>
+              <a:rPr lang="en-US" dirty="0"/>
+              <a:t>Cassandra databases for most storage</a:t>
+            </a:r>
+          </a:p>
+          <a:p>
+            <a:pPr marL="0" indent="0">
+              <a:buNone/>
+            </a:pPr>
+            <a:r>
+              <a:rPr lang="en-US" dirty="0"/>
+              <a:t>Hadoop and friends for reporting, analysis, and returns processing</a:t>
+            </a:r>
+          </a:p>
+        </p:txBody>
+      </p:sp>
+    </p:spTree>
+    <p:extLst>
+      <p:ext uri="{BB962C8B-B14F-4D97-AF65-F5344CB8AC3E}">
+        <p14:creationId xmlns:p14="http://schemas.microsoft.com/office/powerpoint/2010/main" val="729775720"/>
+      </p:ext>
+    </p:extLst>
+  </p:cSld>
+  <p:clrMapOvr>
+    <a:masterClrMapping/>
+  </p:clrMapOvr>
+</p:sld>
+</file>
+
+<file path=ppt/slides/slide16.xml><?xml version="1.0" encoding="utf-8"?>
+<p:sld xmlns:a="http://schemas.openxmlformats.org/drawingml/2006/main" xmlns:r="http://schemas.openxmlformats.org/officeDocument/2006/relationships" xmlns:p="http://schemas.openxmlformats.org/presentationml/2006/main">
+  <p:cSld>
+    <p:spTree>
+      <p:nvGrpSpPr>
+        <p:cNvPr id="1" name=""/>
+        <p:cNvGrpSpPr/>
+        <p:nvPr/>
+      </p:nvGrpSpPr>
+      <p:grpSpPr>
+        <a:xfrm>
+          <a:off x="0" y="0"/>
+          <a:ext cx="0" cy="0"/>
+          <a:chOff x="0" y="0"/>
+          <a:chExt cx="0" cy="0"/>
+        </a:xfrm>
+      </p:grpSpPr>
+      <p:sp>
+        <p:nvSpPr>
           <p:cNvPr id="2050" name="Title 1">
             <a:extLst>
               <a:ext uri="{FF2B5EF4-FFF2-40B4-BE49-F238E27FC236}">
@@ -4753,7 +5259,7 @@
 </p:sld>
 </file>
 
-<file path=ppt/slides/slide16.xml><?xml version="1.0" encoding="utf-8"?>
+<file path=ppt/slides/slide17.xml><?xml version="1.0" encoding="utf-8"?>
 <p:sld xmlns:a="http://schemas.openxmlformats.org/drawingml/2006/main" xmlns:r="http://schemas.openxmlformats.org/officeDocument/2006/relationships" xmlns:p="http://schemas.openxmlformats.org/presentationml/2006/main">
   <p:cSld>
     <p:spTree>
@@ -4841,150 +5347,6 @@
 </p:sld>
 </file>
 
-<file path=ppt/slides/slide17.xml><?xml version="1.0" encoding="utf-8"?>
-<p:sld xmlns:a="http://schemas.openxmlformats.org/drawingml/2006/main" xmlns:r="http://schemas.openxmlformats.org/officeDocument/2006/relationships" xmlns:p="http://schemas.openxmlformats.org/presentationml/2006/main">
-  <p:cSld>
-    <p:spTree>
-      <p:nvGrpSpPr>
-        <p:cNvPr id="1" name=""/>
-        <p:cNvGrpSpPr/>
-        <p:nvPr/>
-      </p:nvGrpSpPr>
-      <p:grpSpPr>
-        <a:xfrm>
-          <a:off x="0" y="0"/>
-          <a:ext cx="0" cy="0"/>
-          <a:chOff x="0" y="0"/>
-          <a:chExt cx="0" cy="0"/>
-        </a:xfrm>
-      </p:grpSpPr>
-      <p:sp>
-        <p:nvSpPr>
-          <p:cNvPr id="3074" name="Title 1">
-            <a:extLst>
-              <a:ext uri="{FF2B5EF4-FFF2-40B4-BE49-F238E27FC236}">
-                <a16:creationId xmlns:a16="http://schemas.microsoft.com/office/drawing/2014/main" id="{0C8003BB-7A23-8C42-B0BD-C1819BFF1B0D}"/>
-              </a:ext>
-            </a:extLst>
-          </p:cNvPr>
-          <p:cNvSpPr>
-            <a:spLocks noGrp="1"/>
-          </p:cNvSpPr>
-          <p:nvPr>
-            <p:ph type="title"/>
-          </p:nvPr>
-        </p:nvSpPr>
-        <p:spPr/>
-        <p:txBody>
-          <a:bodyPr/>
-          <a:lstStyle/>
-          <a:p>
-            <a:pPr eaLnBrk="1" hangingPunct="1"/>
-            <a:r>
-              <a:rPr lang="en-US" altLang="en-US"/>
-              <a:t>Overall approach</a:t>
-            </a:r>
-          </a:p>
-        </p:txBody>
-      </p:sp>
-      <p:sp>
-        <p:nvSpPr>
-          <p:cNvPr id="3075" name="Content Placeholder 2">
-            <a:extLst>
-              <a:ext uri="{FF2B5EF4-FFF2-40B4-BE49-F238E27FC236}">
-                <a16:creationId xmlns:a16="http://schemas.microsoft.com/office/drawing/2014/main" id="{23148392-6DA2-8647-81CD-EC161CE41A1A}"/>
-              </a:ext>
-            </a:extLst>
-          </p:cNvPr>
-          <p:cNvSpPr>
-            <a:spLocks noGrp="1"/>
-          </p:cNvSpPr>
-          <p:nvPr>
-            <p:ph idx="1"/>
-          </p:nvPr>
-        </p:nvSpPr>
-        <p:spPr/>
-        <p:txBody>
-          <a:bodyPr/>
-          <a:lstStyle/>
-          <a:p>
-            <a:pPr marL="0" indent="0" eaLnBrk="1" hangingPunct="1">
-              <a:buNone/>
-            </a:pPr>
-            <a:r>
-              <a:rPr lang="en-US" altLang="en-US" dirty="0"/>
-              <a:t>TNG is a platform and application, no UX or clients</a:t>
-            </a:r>
-          </a:p>
-          <a:p>
-            <a:pPr marL="0" indent="0" eaLnBrk="1" hangingPunct="1">
-              <a:buNone/>
-            </a:pPr>
-            <a:r>
-              <a:rPr lang="en-US" altLang="en-US" dirty="0"/>
-              <a:t>.NET implementation throughout stack</a:t>
-            </a:r>
-          </a:p>
-          <a:p>
-            <a:pPr marL="0" indent="0" eaLnBrk="1" hangingPunct="1">
-              <a:buNone/>
-            </a:pPr>
-            <a:r>
-              <a:rPr lang="en-US" altLang="en-US" dirty="0"/>
-              <a:t>JSON interchange models / data transfer objects</a:t>
-            </a:r>
-          </a:p>
-          <a:p>
-            <a:pPr marL="0" indent="0" eaLnBrk="1" hangingPunct="1">
-              <a:buNone/>
-            </a:pPr>
-            <a:r>
-              <a:rPr lang="en-US" altLang="en-US" dirty="0"/>
-              <a:t>Focus on small, single function services</a:t>
-            </a:r>
-          </a:p>
-          <a:p>
-            <a:pPr marL="0" indent="0" eaLnBrk="1" hangingPunct="1">
-              <a:buNone/>
-            </a:pPr>
-            <a:r>
-              <a:rPr lang="en-US" altLang="en-US" dirty="0"/>
-              <a:t>Shared infrastructure models</a:t>
-            </a:r>
-          </a:p>
-          <a:p>
-            <a:pPr marL="0" indent="0" eaLnBrk="1" hangingPunct="1">
-              <a:buNone/>
-            </a:pPr>
-            <a:r>
-              <a:rPr lang="en-US" altLang="en-US" dirty="0"/>
-              <a:t>Shared type system</a:t>
-            </a:r>
-          </a:p>
-          <a:p>
-            <a:pPr marL="0" indent="0" eaLnBrk="1" hangingPunct="1">
-              <a:buNone/>
-            </a:pPr>
-            <a:r>
-              <a:rPr lang="en-US" altLang="en-US" dirty="0"/>
-              <a:t>JSON and REST at the edge</a:t>
-            </a:r>
-          </a:p>
-        </p:txBody>
-      </p:sp>
-    </p:spTree>
-    <p:extLst>
-      <p:ext uri="{BB962C8B-B14F-4D97-AF65-F5344CB8AC3E}">
-        <p14:creationId xmlns:p14="http://schemas.microsoft.com/office/powerpoint/2010/main" val="3842028624"/>
-      </p:ext>
-    </p:extLst>
-  </p:cSld>
-  <p:clrMapOvr>
-    <a:masterClrMapping/>
-  </p:clrMapOvr>
-</p:sld>
-</file>
-
 <file path=ppt/slides/slide18.xml><?xml version="1.0" encoding="utf-8"?>
 <p:sld xmlns:a="http://schemas.openxmlformats.org/drawingml/2006/main" xmlns:r="http://schemas.openxmlformats.org/officeDocument/2006/relationships" xmlns:p="http://schemas.openxmlformats.org/presentationml/2006/main">
   <p:cSld>
@@ -5004,10 +5366,10 @@
       </p:grpSpPr>
       <p:sp>
         <p:nvSpPr>
-          <p:cNvPr id="4098" name="Title 1">
+          <p:cNvPr id="3074" name="Title 1">
             <a:extLst>
               <a:ext uri="{FF2B5EF4-FFF2-40B4-BE49-F238E27FC236}">
-                <a16:creationId xmlns:a16="http://schemas.microsoft.com/office/drawing/2014/main" id="{EDA3DCF1-14F6-5D4F-98B5-0281B562AA6E}"/>
+                <a16:creationId xmlns:a16="http://schemas.microsoft.com/office/drawing/2014/main" id="{0C8003BB-7A23-8C42-B0BD-C1819BFF1B0D}"/>
               </a:ext>
             </a:extLst>
           </p:cNvPr>
@@ -5026,17 +5388,17 @@
             <a:pPr eaLnBrk="1" hangingPunct="1"/>
             <a:r>
               <a:rPr lang="en-US" altLang="en-US"/>
-              <a:t>Services</a:t>
-            </a:r>
-          </a:p>
-        </p:txBody>
-      </p:sp>
-      <p:sp>
-        <p:nvSpPr>
-          <p:cNvPr id="4099" name="Content Placeholder 2">
+              <a:t>Overall approach</a:t>
+            </a:r>
+          </a:p>
+        </p:txBody>
+      </p:sp>
+      <p:sp>
+        <p:nvSpPr>
+          <p:cNvPr id="3075" name="Content Placeholder 2">
             <a:extLst>
               <a:ext uri="{FF2B5EF4-FFF2-40B4-BE49-F238E27FC236}">
-                <a16:creationId xmlns:a16="http://schemas.microsoft.com/office/drawing/2014/main" id="{3B9AEEE4-0E1C-DB4C-903D-B161C9812A67}"/>
+                <a16:creationId xmlns:a16="http://schemas.microsoft.com/office/drawing/2014/main" id="{23148392-6DA2-8647-81CD-EC161CE41A1A}"/>
               </a:ext>
             </a:extLst>
           </p:cNvPr>
@@ -5057,7 +5419,7 @@
             </a:pPr>
             <a:r>
               <a:rPr lang="en-US" altLang="en-US" dirty="0"/>
-              <a:t>Standalone implementation</a:t>
+              <a:t>TNG is a platform and application, no UX or clients</a:t>
             </a:r>
           </a:p>
           <a:p>
@@ -5066,7 +5428,7 @@
             </a:pPr>
             <a:r>
               <a:rPr lang="en-US" altLang="en-US" dirty="0"/>
-              <a:t>Think deployed object – data and functionality bound</a:t>
+              <a:t>.NET implementation throughout stack</a:t>
             </a:r>
           </a:p>
           <a:p>
@@ -5075,7 +5437,7 @@
             </a:pPr>
             <a:r>
               <a:rPr lang="en-US" altLang="en-US" dirty="0"/>
-              <a:t>They know nothing about their environment</a:t>
+              <a:t>JSON interchange models / data transfer objects</a:t>
             </a:r>
           </a:p>
           <a:p>
@@ -5084,7 +5446,7 @@
             </a:pPr>
             <a:r>
               <a:rPr lang="en-US" altLang="en-US" dirty="0"/>
-              <a:t>They know nothing about other services</a:t>
+              <a:t>Focus on small, single function services</a:t>
             </a:r>
           </a:p>
           <a:p>
@@ -5093,7 +5455,7 @@
             </a:pPr>
             <a:r>
               <a:rPr lang="en-US" altLang="en-US" dirty="0"/>
-              <a:t>Contract defined in service-specific assembly</a:t>
+              <a:t>Shared infrastructure models</a:t>
             </a:r>
           </a:p>
           <a:p>
@@ -5102,7 +5464,7 @@
             </a:pPr>
             <a:r>
               <a:rPr lang="en-US" altLang="en-US" dirty="0"/>
-              <a:t>Implementation and mock in another assembly</a:t>
+              <a:t>Shared type system</a:t>
             </a:r>
           </a:p>
           <a:p>
@@ -5111,7 +5473,7 @@
             </a:pPr>
             <a:r>
               <a:rPr lang="en-US" altLang="en-US" dirty="0"/>
-              <a:t>Rest of infrastructure is boilerplate generated code</a:t>
+              <a:t>JSON and REST at the edge</a:t>
             </a:r>
           </a:p>
         </p:txBody>
@@ -5119,7 +5481,7 @@
     </p:spTree>
     <p:extLst>
       <p:ext uri="{BB962C8B-B14F-4D97-AF65-F5344CB8AC3E}">
-        <p14:creationId xmlns:p14="http://schemas.microsoft.com/office/powerpoint/2010/main" val="4033154129"/>
+        <p14:creationId xmlns:p14="http://schemas.microsoft.com/office/powerpoint/2010/main" val="3842028624"/>
       </p:ext>
     </p:extLst>
   </p:cSld>
@@ -5148,10 +5510,10 @@
       </p:grpSpPr>
       <p:sp>
         <p:nvSpPr>
-          <p:cNvPr id="5122" name="Title 1">
+          <p:cNvPr id="4098" name="Title 1">
             <a:extLst>
               <a:ext uri="{FF2B5EF4-FFF2-40B4-BE49-F238E27FC236}">
-                <a16:creationId xmlns:a16="http://schemas.microsoft.com/office/drawing/2014/main" id="{64A21D3D-4F2A-7742-A122-947BA566F270}"/>
+                <a16:creationId xmlns:a16="http://schemas.microsoft.com/office/drawing/2014/main" id="{EDA3DCF1-14F6-5D4F-98B5-0281B562AA6E}"/>
               </a:ext>
             </a:extLst>
           </p:cNvPr>
@@ -5170,17 +5532,17 @@
             <a:pPr eaLnBrk="1" hangingPunct="1"/>
             <a:r>
               <a:rPr lang="en-US" altLang="en-US"/>
-              <a:t>Containers</a:t>
-            </a:r>
-          </a:p>
-        </p:txBody>
-      </p:sp>
-      <p:sp>
-        <p:nvSpPr>
-          <p:cNvPr id="5123" name="Content Placeholder 2">
+              <a:t>Services</a:t>
+            </a:r>
+          </a:p>
+        </p:txBody>
+      </p:sp>
+      <p:sp>
+        <p:nvSpPr>
+          <p:cNvPr id="4099" name="Content Placeholder 2">
             <a:extLst>
               <a:ext uri="{FF2B5EF4-FFF2-40B4-BE49-F238E27FC236}">
-                <a16:creationId xmlns:a16="http://schemas.microsoft.com/office/drawing/2014/main" id="{D67AA026-B2E1-A040-A156-5BC59E6F8817}"/>
+                <a16:creationId xmlns:a16="http://schemas.microsoft.com/office/drawing/2014/main" id="{3B9AEEE4-0E1C-DB4C-903D-B161C9812A67}"/>
               </a:ext>
             </a:extLst>
           </p:cNvPr>
@@ -5201,7 +5563,7 @@
             </a:pPr>
             <a:r>
               <a:rPr lang="en-US" altLang="en-US" dirty="0"/>
-              <a:t>Containers hold the implementation of a single service</a:t>
+              <a:t>Standalone implementation</a:t>
             </a:r>
           </a:p>
           <a:p>
@@ -5210,7 +5572,7 @@
             </a:pPr>
             <a:r>
               <a:rPr lang="en-US" altLang="en-US" dirty="0"/>
-              <a:t>Containers are specific to their environment</a:t>
+              <a:t>Think deployed object – data and functionality bound</a:t>
             </a:r>
           </a:p>
           <a:p>
@@ -5219,7 +5581,7 @@
             </a:pPr>
             <a:r>
               <a:rPr lang="en-US" altLang="en-US" dirty="0"/>
-              <a:t>Containers are generated code</a:t>
+              <a:t>They know nothing about their environment</a:t>
             </a:r>
           </a:p>
           <a:p>
@@ -5228,43 +5590,34 @@
             </a:pPr>
             <a:r>
               <a:rPr lang="en-US" altLang="en-US" dirty="0"/>
-              <a:t>Examples</a:t>
-            </a:r>
-          </a:p>
-          <a:p>
-            <a:pPr marL="457200" lvl="1" indent="0" eaLnBrk="1" hangingPunct="1">
+              <a:t>They know nothing about other services</a:t>
+            </a:r>
+          </a:p>
+          <a:p>
+            <a:pPr marL="0" indent="0" eaLnBrk="1" hangingPunct="1">
               <a:buNone/>
             </a:pPr>
             <a:r>
               <a:rPr lang="en-US" altLang="en-US" dirty="0"/>
-              <a:t>IIS behind JSON over REST (ASP.NET MVC API)</a:t>
-            </a:r>
-          </a:p>
-          <a:p>
-            <a:pPr marL="457200" lvl="1" indent="0" eaLnBrk="1" hangingPunct="1">
+              <a:t>Contract defined in service-specific assembly</a:t>
+            </a:r>
+          </a:p>
+          <a:p>
+            <a:pPr marL="0" indent="0" eaLnBrk="1" hangingPunct="1">
               <a:buNone/>
             </a:pPr>
             <a:r>
               <a:rPr lang="en-US" altLang="en-US" dirty="0"/>
-              <a:t>Azure worker role</a:t>
-            </a:r>
-          </a:p>
-          <a:p>
-            <a:pPr marL="457200" lvl="1" indent="0" eaLnBrk="1" hangingPunct="1">
+              <a:t>Implementation and mock in another assembly</a:t>
+            </a:r>
+          </a:p>
+          <a:p>
+            <a:pPr marL="0" indent="0" eaLnBrk="1" hangingPunct="1">
               <a:buNone/>
             </a:pPr>
             <a:r>
               <a:rPr lang="en-US" altLang="en-US" dirty="0"/>
-              <a:t>Windows service</a:t>
-            </a:r>
-          </a:p>
-          <a:p>
-            <a:pPr marL="457200" lvl="1" indent="0" eaLnBrk="1" hangingPunct="1">
-              <a:buNone/>
-            </a:pPr>
-            <a:r>
-              <a:rPr lang="en-US" altLang="en-US" dirty="0"/>
-              <a:t>Windows application</a:t>
+              <a:t>Rest of infrastructure is boilerplate generated code</a:t>
             </a:r>
           </a:p>
         </p:txBody>
@@ -5272,7 +5625,7 @@
     </p:spTree>
     <p:extLst>
       <p:ext uri="{BB962C8B-B14F-4D97-AF65-F5344CB8AC3E}">
-        <p14:creationId xmlns:p14="http://schemas.microsoft.com/office/powerpoint/2010/main" val="700453040"/>
+        <p14:creationId xmlns:p14="http://schemas.microsoft.com/office/powerpoint/2010/main" val="4033154129"/>
       </p:ext>
     </p:extLst>
   </p:cSld>
@@ -5348,7 +5701,10 @@
           <a:bodyPr/>
           <a:lstStyle/>
           <a:p>
-            <a:endParaRPr lang="en-US"/>
+            <a:r>
+              <a:rPr lang="en-US" dirty="0"/>
+              <a:t>The names have not been changed, because the actors know they’re guilty</a:t>
+            </a:r>
           </a:p>
         </p:txBody>
       </p:sp>
@@ -5384,10 +5740,10 @@
       </p:grpSpPr>
       <p:sp>
         <p:nvSpPr>
-          <p:cNvPr id="6146" name="Title 1">
+          <p:cNvPr id="2" name="Title 1">
             <a:extLst>
               <a:ext uri="{FF2B5EF4-FFF2-40B4-BE49-F238E27FC236}">
-                <a16:creationId xmlns:a16="http://schemas.microsoft.com/office/drawing/2014/main" id="{C58DC09C-C548-BB48-A855-9422146039F5}"/>
+                <a16:creationId xmlns:a16="http://schemas.microsoft.com/office/drawing/2014/main" id="{49E9FE84-D861-8444-B8BC-03CD760CEBBE}"/>
               </a:ext>
             </a:extLst>
           </p:cNvPr>
@@ -5403,121 +5759,49 @@
           <a:bodyPr/>
           <a:lstStyle/>
           <a:p>
-            <a:pPr eaLnBrk="1" hangingPunct="1"/>
-            <a:r>
-              <a:rPr lang="en-US" altLang="en-US"/>
-              <a:t>Connectors</a:t>
-            </a:r>
-          </a:p>
-        </p:txBody>
-      </p:sp>
-      <p:sp>
-        <p:nvSpPr>
-          <p:cNvPr id="6147" name="Content Placeholder 2">
+            <a:r>
+              <a:rPr lang="en-US" dirty="0"/>
+              <a:t>An example</a:t>
+            </a:r>
+          </a:p>
+        </p:txBody>
+      </p:sp>
+      <p:pic>
+        <p:nvPicPr>
+          <p:cNvPr id="7" name="Content Placeholder 6">
             <a:extLst>
               <a:ext uri="{FF2B5EF4-FFF2-40B4-BE49-F238E27FC236}">
-                <a16:creationId xmlns:a16="http://schemas.microsoft.com/office/drawing/2014/main" id="{954471EA-DAEA-E249-9C2A-8A131471BDE6}"/>
+                <a16:creationId xmlns:a16="http://schemas.microsoft.com/office/drawing/2014/main" id="{3AF71840-A875-1A44-81E7-F5FBDAC94405}"/>
               </a:ext>
             </a:extLst>
           </p:cNvPr>
-          <p:cNvSpPr>
-            <a:spLocks noGrp="1"/>
-          </p:cNvSpPr>
+          <p:cNvPicPr>
+            <a:picLocks noGrp="1" noChangeAspect="1"/>
+          </p:cNvPicPr>
           <p:nvPr>
             <p:ph idx="1"/>
           </p:nvPr>
-        </p:nvSpPr>
-        <p:spPr/>
-        <p:txBody>
-          <a:bodyPr/>
-          <a:lstStyle/>
-          <a:p>
-            <a:pPr marL="0" indent="0" eaLnBrk="1" hangingPunct="1">
-              <a:buNone/>
-            </a:pPr>
-            <a:r>
-              <a:rPr lang="en-US" altLang="en-US" dirty="0"/>
-              <a:t>Connectors are generated code</a:t>
-            </a:r>
-          </a:p>
-          <a:p>
-            <a:pPr marL="0" indent="0" eaLnBrk="1" hangingPunct="1">
-              <a:buNone/>
-            </a:pPr>
-            <a:r>
-              <a:rPr lang="en-US" altLang="en-US" dirty="0"/>
-              <a:t>Shared infrastructure components</a:t>
-            </a:r>
-          </a:p>
-          <a:p>
-            <a:pPr marL="457200" lvl="1" indent="0" eaLnBrk="1" hangingPunct="1">
-              <a:buNone/>
-            </a:pPr>
-            <a:r>
-              <a:rPr lang="en-US" altLang="en-US" dirty="0"/>
-              <a:t>Rabbit, Azure, and Amazon queues</a:t>
-            </a:r>
-          </a:p>
-          <a:p>
-            <a:pPr marL="457200" lvl="1" indent="0" eaLnBrk="1" hangingPunct="1">
-              <a:buNone/>
-            </a:pPr>
-            <a:r>
-              <a:rPr lang="en-US" altLang="en-US" dirty="0"/>
-              <a:t>IPC / in-proc</a:t>
-            </a:r>
-          </a:p>
-          <a:p>
-            <a:pPr marL="457200" lvl="1" indent="0" eaLnBrk="1" hangingPunct="1">
-              <a:buNone/>
-            </a:pPr>
-            <a:r>
-              <a:rPr lang="en-US" altLang="en-US" dirty="0"/>
-              <a:t>REST call</a:t>
-            </a:r>
-          </a:p>
-          <a:p>
-            <a:pPr marL="0" indent="0" eaLnBrk="1" hangingPunct="1">
-              <a:buNone/>
-            </a:pPr>
-            <a:r>
-              <a:rPr lang="en-US" altLang="en-US" dirty="0"/>
-              <a:t>Provide a transparent communication path to services</a:t>
-            </a:r>
-          </a:p>
-          <a:p>
-            <a:pPr marL="0" indent="0" eaLnBrk="1" hangingPunct="1">
-              <a:buNone/>
-            </a:pPr>
-            <a:r>
-              <a:rPr lang="en-US" altLang="en-US" dirty="0"/>
-              <a:t>Queues provide time and location independence</a:t>
-            </a:r>
-          </a:p>
-          <a:p>
-            <a:pPr marL="0" indent="0" eaLnBrk="1" hangingPunct="1">
-              <a:buNone/>
-            </a:pPr>
-            <a:r>
-              <a:rPr lang="en-US" altLang="en-US" dirty="0"/>
-              <a:t>In-proc provides for simple small-scale deployment and testing</a:t>
-            </a:r>
-          </a:p>
-          <a:p>
-            <a:pPr marL="0" indent="0" eaLnBrk="1" hangingPunct="1">
-              <a:buNone/>
-            </a:pPr>
-            <a:r>
-              <a:rPr lang="en-US" altLang="en-US" dirty="0"/>
-              <a:t>REST requires additional middleware components, e.g. F5</a:t>
-            </a:r>
-          </a:p>
-        </p:txBody>
-      </p:sp>
+        </p:nvPicPr>
+        <p:blipFill>
+          <a:blip r:embed="rId2"/>
+          <a:stretch>
+            <a:fillRect/>
+          </a:stretch>
+        </p:blipFill>
+        <p:spPr>
+          <a:xfrm>
+            <a:off x="3846580" y="706769"/>
+            <a:ext cx="7940135" cy="5593548"/>
+          </a:xfrm>
+          <a:prstGeom prst="rect">
+            <a:avLst/>
+          </a:prstGeom>
+        </p:spPr>
+      </p:pic>
     </p:spTree>
     <p:extLst>
       <p:ext uri="{BB962C8B-B14F-4D97-AF65-F5344CB8AC3E}">
-        <p14:creationId xmlns:p14="http://schemas.microsoft.com/office/powerpoint/2010/main" val="2387980853"/>
+        <p14:creationId xmlns:p14="http://schemas.microsoft.com/office/powerpoint/2010/main" val="3161449652"/>
       </p:ext>
     </p:extLst>
   </p:cSld>
@@ -5546,10 +5830,10 @@
       </p:grpSpPr>
       <p:sp>
         <p:nvSpPr>
-          <p:cNvPr id="7170" name="Title 1">
+          <p:cNvPr id="2" name="Title 1">
             <a:extLst>
               <a:ext uri="{FF2B5EF4-FFF2-40B4-BE49-F238E27FC236}">
-                <a16:creationId xmlns:a16="http://schemas.microsoft.com/office/drawing/2014/main" id="{A570939C-14B7-9949-A1EF-D0AFDEBABB7B}"/>
+                <a16:creationId xmlns:a16="http://schemas.microsoft.com/office/drawing/2014/main" id="{49E9FE84-D861-8444-B8BC-03CD760CEBBE}"/>
               </a:ext>
             </a:extLst>
           </p:cNvPr>
@@ -5565,103 +5849,49 @@
           <a:bodyPr/>
           <a:lstStyle/>
           <a:p>
-            <a:pPr eaLnBrk="1" hangingPunct="1"/>
-            <a:r>
-              <a:rPr lang="en-US" altLang="en-US"/>
-              <a:t>Application logic / workloads</a:t>
-            </a:r>
-          </a:p>
-        </p:txBody>
-      </p:sp>
-      <p:sp>
-        <p:nvSpPr>
-          <p:cNvPr id="7171" name="Content Placeholder 2">
+            <a:r>
+              <a:rPr lang="en-US" dirty="0"/>
+              <a:t>An example</a:t>
+            </a:r>
+          </a:p>
+        </p:txBody>
+      </p:sp>
+      <p:pic>
+        <p:nvPicPr>
+          <p:cNvPr id="5" name="Content Placeholder 4">
             <a:extLst>
               <a:ext uri="{FF2B5EF4-FFF2-40B4-BE49-F238E27FC236}">
-                <a16:creationId xmlns:a16="http://schemas.microsoft.com/office/drawing/2014/main" id="{898E06A2-B3B8-6C46-B458-E0AE25D023D9}"/>
+                <a16:creationId xmlns:a16="http://schemas.microsoft.com/office/drawing/2014/main" id="{BE31CDD3-CE8F-BB45-B0B6-17594A1E376D}"/>
               </a:ext>
             </a:extLst>
           </p:cNvPr>
-          <p:cNvSpPr>
-            <a:spLocks noGrp="1"/>
-          </p:cNvSpPr>
+          <p:cNvPicPr>
+            <a:picLocks noGrp="1" noChangeAspect="1"/>
+          </p:cNvPicPr>
           <p:nvPr>
             <p:ph idx="1"/>
           </p:nvPr>
-        </p:nvSpPr>
-        <p:spPr/>
-        <p:txBody>
-          <a:bodyPr/>
-          <a:lstStyle/>
-          <a:p>
-            <a:pPr marL="0" indent="0" eaLnBrk="1" hangingPunct="1">
-              <a:buNone/>
-            </a:pPr>
-            <a:r>
-              <a:rPr lang="en-US" altLang="en-US" dirty="0"/>
-              <a:t>Applications compose services to provide business value</a:t>
-            </a:r>
-          </a:p>
-          <a:p>
-            <a:pPr marL="0" indent="0" eaLnBrk="1" hangingPunct="1">
-              <a:buNone/>
-            </a:pPr>
-            <a:r>
-              <a:rPr lang="en-US" altLang="en-US" dirty="0"/>
-              <a:t>Prototype application was C#</a:t>
-            </a:r>
-          </a:p>
-          <a:p>
-            <a:pPr marL="0" indent="0" eaLnBrk="1" hangingPunct="1">
-              <a:buNone/>
-            </a:pPr>
-            <a:r>
-              <a:rPr lang="en-US" altLang="en-US" dirty="0"/>
-              <a:t>Application tier has own data model</a:t>
-            </a:r>
-          </a:p>
-          <a:p>
-            <a:pPr marL="0" indent="0" eaLnBrk="1" hangingPunct="1">
-              <a:buNone/>
-            </a:pPr>
-            <a:r>
-              <a:rPr lang="en-US" altLang="en-US" dirty="0"/>
-              <a:t>Exposed via JSON and REST</a:t>
-            </a:r>
-          </a:p>
-          <a:p>
-            <a:pPr marL="0" indent="0" eaLnBrk="1" hangingPunct="1">
-              <a:buNone/>
-            </a:pPr>
-            <a:r>
-              <a:rPr lang="en-US" altLang="en-US" dirty="0"/>
-              <a:t>We’re looking at switching to WF</a:t>
-            </a:r>
-          </a:p>
-          <a:p>
-            <a:pPr marL="457200" lvl="1" indent="0" eaLnBrk="1" hangingPunct="1">
-              <a:buNone/>
-            </a:pPr>
-            <a:r>
-              <a:rPr lang="en-US" altLang="en-US" dirty="0"/>
-              <a:t>Persistence of workload instances</a:t>
-            </a:r>
-          </a:p>
-          <a:p>
-            <a:pPr marL="457200" lvl="1" indent="0" eaLnBrk="1" hangingPunct="1">
-              <a:buNone/>
-            </a:pPr>
-            <a:r>
-              <a:rPr lang="en-US" altLang="en-US" dirty="0"/>
-              <a:t>Ability to automatically provide workload state</a:t>
-            </a:r>
-          </a:p>
-        </p:txBody>
-      </p:sp>
+        </p:nvPicPr>
+        <p:blipFill>
+          <a:blip r:embed="rId2"/>
+          <a:stretch>
+            <a:fillRect/>
+          </a:stretch>
+        </p:blipFill>
+        <p:spPr>
+          <a:xfrm>
+            <a:off x="4673562" y="427673"/>
+            <a:ext cx="6680238" cy="6065202"/>
+          </a:xfrm>
+          <a:prstGeom prst="rect">
+            <a:avLst/>
+          </a:prstGeom>
+        </p:spPr>
+      </p:pic>
     </p:spTree>
     <p:extLst>
       <p:ext uri="{BB962C8B-B14F-4D97-AF65-F5344CB8AC3E}">
-        <p14:creationId xmlns:p14="http://schemas.microsoft.com/office/powerpoint/2010/main" val="1484268239"/>
+        <p14:creationId xmlns:p14="http://schemas.microsoft.com/office/powerpoint/2010/main" val="1254589516"/>
       </p:ext>
     </p:extLst>
   </p:cSld>
@@ -5690,10 +5920,10 @@
       </p:grpSpPr>
       <p:sp>
         <p:nvSpPr>
-          <p:cNvPr id="8194" name="Title 1">
+          <p:cNvPr id="5122" name="Title 1">
             <a:extLst>
               <a:ext uri="{FF2B5EF4-FFF2-40B4-BE49-F238E27FC236}">
-                <a16:creationId xmlns:a16="http://schemas.microsoft.com/office/drawing/2014/main" id="{1A1FD257-5A1C-0343-9495-A297DEAFC491}"/>
+                <a16:creationId xmlns:a16="http://schemas.microsoft.com/office/drawing/2014/main" id="{64A21D3D-4F2A-7742-A122-947BA566F270}"/>
               </a:ext>
             </a:extLst>
           </p:cNvPr>
@@ -5712,17 +5942,17 @@
             <a:pPr eaLnBrk="1" hangingPunct="1"/>
             <a:r>
               <a:rPr lang="en-US" altLang="en-US"/>
-              <a:t>Configuration</a:t>
-            </a:r>
-          </a:p>
-        </p:txBody>
-      </p:sp>
-      <p:sp>
-        <p:nvSpPr>
-          <p:cNvPr id="8195" name="Content Placeholder 2">
+              <a:t>Containers</a:t>
+            </a:r>
+          </a:p>
+        </p:txBody>
+      </p:sp>
+      <p:sp>
+        <p:nvSpPr>
+          <p:cNvPr id="5123" name="Content Placeholder 2">
             <a:extLst>
               <a:ext uri="{FF2B5EF4-FFF2-40B4-BE49-F238E27FC236}">
-                <a16:creationId xmlns:a16="http://schemas.microsoft.com/office/drawing/2014/main" id="{3FD039EA-4014-2B43-A33D-D3CDE903A73B}"/>
+                <a16:creationId xmlns:a16="http://schemas.microsoft.com/office/drawing/2014/main" id="{D67AA026-B2E1-A040-A156-5BC59E6F8817}"/>
               </a:ext>
             </a:extLst>
           </p:cNvPr>
@@ -5743,23 +5973,25 @@
             </a:pPr>
             <a:r>
               <a:rPr lang="en-US" altLang="en-US" dirty="0"/>
-              <a:t>Done using </a:t>
-            </a:r>
-            <a:r>
-              <a:rPr lang="en-US" altLang="en-US" dirty="0" err="1"/>
-              <a:t>StructureMap</a:t>
-            </a:r>
+              <a:t>Containers hold the implementation of a single service</a:t>
+            </a:r>
+          </a:p>
+          <a:p>
+            <a:pPr marL="0" indent="0" eaLnBrk="1" hangingPunct="1">
+              <a:buNone/>
+            </a:pPr>
             <a:r>
               <a:rPr lang="en-US" altLang="en-US" dirty="0"/>
-              <a:t> Registries to handle </a:t>
-            </a:r>
-            <a:r>
-              <a:rPr lang="en-US" altLang="en-US" dirty="0" err="1"/>
-              <a:t>IoC</a:t>
-            </a:r>
+              <a:t>Containers are specific to their environment</a:t>
+            </a:r>
+          </a:p>
+          <a:p>
+            <a:pPr marL="0" indent="0" eaLnBrk="1" hangingPunct="1">
+              <a:buNone/>
+            </a:pPr>
             <a:r>
               <a:rPr lang="en-US" altLang="en-US" dirty="0"/>
-              <a:t> / DI</a:t>
+              <a:t>Containers are generated code</a:t>
             </a:r>
           </a:p>
           <a:p>
@@ -5768,16 +6000,16 @@
             </a:pPr>
             <a:r>
               <a:rPr lang="en-US" altLang="en-US" dirty="0"/>
-              <a:t>We will move to our own declarative model</a:t>
-            </a:r>
-          </a:p>
-          <a:p>
-            <a:pPr marL="0" indent="0" eaLnBrk="1" hangingPunct="1">
+              <a:t>Examples</a:t>
+            </a:r>
+          </a:p>
+          <a:p>
+            <a:pPr marL="457200" lvl="1" indent="0" eaLnBrk="1" hangingPunct="1">
               <a:buNone/>
             </a:pPr>
             <a:r>
               <a:rPr lang="en-US" altLang="en-US" dirty="0"/>
-              <a:t>Allows for configuration of</a:t>
+              <a:t>IIS behind JSON over REST (ASP.NET MVC API)</a:t>
             </a:r>
           </a:p>
           <a:p>
@@ -5786,7 +6018,7 @@
             </a:pPr>
             <a:r>
               <a:rPr lang="en-US" altLang="en-US" dirty="0"/>
-              <a:t>How the application tier locates a given service</a:t>
+              <a:t>Azure worker role</a:t>
             </a:r>
           </a:p>
           <a:p>
@@ -5795,7 +6027,7 @@
             </a:pPr>
             <a:r>
               <a:rPr lang="en-US" altLang="en-US" dirty="0"/>
-              <a:t>How services locate underlying infrastructure components</a:t>
+              <a:t>Windows service</a:t>
             </a:r>
           </a:p>
           <a:p>
@@ -5804,7 +6036,7 @@
             </a:pPr>
             <a:r>
               <a:rPr lang="en-US" altLang="en-US" dirty="0"/>
-              <a:t>How infrastructure configuration parameters are defined and used</a:t>
+              <a:t>Windows application</a:t>
             </a:r>
           </a:p>
         </p:txBody>
@@ -5812,7 +6044,7 @@
     </p:spTree>
     <p:extLst>
       <p:ext uri="{BB962C8B-B14F-4D97-AF65-F5344CB8AC3E}">
-        <p14:creationId xmlns:p14="http://schemas.microsoft.com/office/powerpoint/2010/main" val="3882272398"/>
+        <p14:creationId xmlns:p14="http://schemas.microsoft.com/office/powerpoint/2010/main" val="700453040"/>
       </p:ext>
     </p:extLst>
   </p:cSld>
@@ -5841,10 +6073,10 @@
       </p:grpSpPr>
       <p:sp>
         <p:nvSpPr>
-          <p:cNvPr id="9218" name="Title 1">
+          <p:cNvPr id="6146" name="Title 1">
             <a:extLst>
               <a:ext uri="{FF2B5EF4-FFF2-40B4-BE49-F238E27FC236}">
-                <a16:creationId xmlns:a16="http://schemas.microsoft.com/office/drawing/2014/main" id="{2199DA04-345F-DE4C-876C-DB38F9EF1CEA}"/>
+                <a16:creationId xmlns:a16="http://schemas.microsoft.com/office/drawing/2014/main" id="{C58DC09C-C548-BB48-A855-9422146039F5}"/>
               </a:ext>
             </a:extLst>
           </p:cNvPr>
@@ -5863,17 +6095,17 @@
             <a:pPr eaLnBrk="1" hangingPunct="1"/>
             <a:r>
               <a:rPr lang="en-US" altLang="en-US"/>
-              <a:t>Deployment / scale units</a:t>
-            </a:r>
-          </a:p>
-        </p:txBody>
-      </p:sp>
-      <p:sp>
-        <p:nvSpPr>
-          <p:cNvPr id="9219" name="Content Placeholder 2">
+              <a:t>Connectors</a:t>
+            </a:r>
+          </a:p>
+        </p:txBody>
+      </p:sp>
+      <p:sp>
+        <p:nvSpPr>
+          <p:cNvPr id="6147" name="Content Placeholder 2">
             <a:extLst>
               <a:ext uri="{FF2B5EF4-FFF2-40B4-BE49-F238E27FC236}">
-                <a16:creationId xmlns:a16="http://schemas.microsoft.com/office/drawing/2014/main" id="{E6330E36-57F6-AA42-B7E3-FD8D3692EA2E}"/>
+                <a16:creationId xmlns:a16="http://schemas.microsoft.com/office/drawing/2014/main" id="{954471EA-DAEA-E249-9C2A-8A131471BDE6}"/>
               </a:ext>
             </a:extLst>
           </p:cNvPr>
@@ -5894,7 +6126,7 @@
             </a:pPr>
             <a:r>
               <a:rPr lang="en-US" altLang="en-US" dirty="0"/>
-              <a:t>Performance requirements</a:t>
+              <a:t>Connectors are generated code</a:t>
             </a:r>
           </a:p>
           <a:p>
@@ -5903,7 +6135,34 @@
             </a:pPr>
             <a:r>
               <a:rPr lang="en-US" altLang="en-US" dirty="0"/>
-              <a:t>Performance characteristics</a:t>
+              <a:t>Shared infrastructure components</a:t>
+            </a:r>
+          </a:p>
+          <a:p>
+            <a:pPr marL="457200" lvl="1" indent="0" eaLnBrk="1" hangingPunct="1">
+              <a:buNone/>
+            </a:pPr>
+            <a:r>
+              <a:rPr lang="en-US" altLang="en-US" dirty="0"/>
+              <a:t>Rabbit, Azure, and Amazon queues</a:t>
+            </a:r>
+          </a:p>
+          <a:p>
+            <a:pPr marL="457200" lvl="1" indent="0" eaLnBrk="1" hangingPunct="1">
+              <a:buNone/>
+            </a:pPr>
+            <a:r>
+              <a:rPr lang="en-US" altLang="en-US" dirty="0"/>
+              <a:t>IPC / in-proc</a:t>
+            </a:r>
+          </a:p>
+          <a:p>
+            <a:pPr marL="457200" lvl="1" indent="0" eaLnBrk="1" hangingPunct="1">
+              <a:buNone/>
+            </a:pPr>
+            <a:r>
+              <a:rPr lang="en-US" altLang="en-US" dirty="0"/>
+              <a:t>REST call</a:t>
             </a:r>
           </a:p>
           <a:p>
@@ -5912,7 +6171,7 @@
             </a:pPr>
             <a:r>
               <a:rPr lang="en-US" altLang="en-US" dirty="0"/>
-              <a:t>Versioning and A/B tests</a:t>
+              <a:t>Provide a transparent communication path to services</a:t>
             </a:r>
           </a:p>
           <a:p>
@@ -5921,7 +6180,7 @@
             </a:pPr>
             <a:r>
               <a:rPr lang="en-US" altLang="en-US" dirty="0"/>
-              <a:t>Latency</a:t>
+              <a:t>Queues provide time and location independence</a:t>
             </a:r>
           </a:p>
           <a:p>
@@ -5930,7 +6189,7 @@
             </a:pPr>
             <a:r>
               <a:rPr lang="en-US" altLang="en-US" dirty="0"/>
-              <a:t>Data and cache locality</a:t>
+              <a:t>In-proc provides for simple small-scale deployment and testing</a:t>
             </a:r>
           </a:p>
           <a:p>
@@ -5939,7 +6198,7 @@
             </a:pPr>
             <a:r>
               <a:rPr lang="en-US" altLang="en-US" dirty="0"/>
-              <a:t>Different application and business models</a:t>
+              <a:t>REST requires additional middleware components, e.g. F5</a:t>
             </a:r>
           </a:p>
         </p:txBody>
@@ -5947,7 +6206,7 @@
     </p:spTree>
     <p:extLst>
       <p:ext uri="{BB962C8B-B14F-4D97-AF65-F5344CB8AC3E}">
-        <p14:creationId xmlns:p14="http://schemas.microsoft.com/office/powerpoint/2010/main" val="2546583356"/>
+        <p14:creationId xmlns:p14="http://schemas.microsoft.com/office/powerpoint/2010/main" val="2387980853"/>
       </p:ext>
     </p:extLst>
   </p:cSld>
@@ -5976,6 +6235,436 @@
       </p:grpSpPr>
       <p:sp>
         <p:nvSpPr>
+          <p:cNvPr id="7170" name="Title 1">
+            <a:extLst>
+              <a:ext uri="{FF2B5EF4-FFF2-40B4-BE49-F238E27FC236}">
+                <a16:creationId xmlns:a16="http://schemas.microsoft.com/office/drawing/2014/main" id="{A570939C-14B7-9949-A1EF-D0AFDEBABB7B}"/>
+              </a:ext>
+            </a:extLst>
+          </p:cNvPr>
+          <p:cNvSpPr>
+            <a:spLocks noGrp="1"/>
+          </p:cNvSpPr>
+          <p:nvPr>
+            <p:ph type="title"/>
+          </p:nvPr>
+        </p:nvSpPr>
+        <p:spPr/>
+        <p:txBody>
+          <a:bodyPr/>
+          <a:lstStyle/>
+          <a:p>
+            <a:pPr eaLnBrk="1" hangingPunct="1"/>
+            <a:r>
+              <a:rPr lang="en-US" altLang="en-US"/>
+              <a:t>Application logic / workloads</a:t>
+            </a:r>
+          </a:p>
+        </p:txBody>
+      </p:sp>
+      <p:sp>
+        <p:nvSpPr>
+          <p:cNvPr id="7171" name="Content Placeholder 2">
+            <a:extLst>
+              <a:ext uri="{FF2B5EF4-FFF2-40B4-BE49-F238E27FC236}">
+                <a16:creationId xmlns:a16="http://schemas.microsoft.com/office/drawing/2014/main" id="{898E06A2-B3B8-6C46-B458-E0AE25D023D9}"/>
+              </a:ext>
+            </a:extLst>
+          </p:cNvPr>
+          <p:cNvSpPr>
+            <a:spLocks noGrp="1"/>
+          </p:cNvSpPr>
+          <p:nvPr>
+            <p:ph idx="1"/>
+          </p:nvPr>
+        </p:nvSpPr>
+        <p:spPr/>
+        <p:txBody>
+          <a:bodyPr/>
+          <a:lstStyle/>
+          <a:p>
+            <a:pPr marL="0" indent="0" eaLnBrk="1" hangingPunct="1">
+              <a:buNone/>
+            </a:pPr>
+            <a:r>
+              <a:rPr lang="en-US" altLang="en-US" dirty="0"/>
+              <a:t>Applications compose services to provide business value</a:t>
+            </a:r>
+          </a:p>
+          <a:p>
+            <a:pPr marL="0" indent="0" eaLnBrk="1" hangingPunct="1">
+              <a:buNone/>
+            </a:pPr>
+            <a:r>
+              <a:rPr lang="en-US" altLang="en-US" dirty="0"/>
+              <a:t>Prototype application was C#</a:t>
+            </a:r>
+          </a:p>
+          <a:p>
+            <a:pPr marL="0" indent="0" eaLnBrk="1" hangingPunct="1">
+              <a:buNone/>
+            </a:pPr>
+            <a:r>
+              <a:rPr lang="en-US" altLang="en-US" dirty="0"/>
+              <a:t>Application tier has own data model</a:t>
+            </a:r>
+          </a:p>
+          <a:p>
+            <a:pPr marL="0" indent="0" eaLnBrk="1" hangingPunct="1">
+              <a:buNone/>
+            </a:pPr>
+            <a:r>
+              <a:rPr lang="en-US" altLang="en-US" dirty="0"/>
+              <a:t>Exposed via JSON and REST</a:t>
+            </a:r>
+          </a:p>
+          <a:p>
+            <a:pPr marL="0" indent="0" eaLnBrk="1" hangingPunct="1">
+              <a:buNone/>
+            </a:pPr>
+            <a:r>
+              <a:rPr lang="en-US" altLang="en-US" dirty="0"/>
+              <a:t>We’re looking at switching to WF</a:t>
+            </a:r>
+          </a:p>
+          <a:p>
+            <a:pPr marL="457200" lvl="1" indent="0" eaLnBrk="1" hangingPunct="1">
+              <a:buNone/>
+            </a:pPr>
+            <a:r>
+              <a:rPr lang="en-US" altLang="en-US" dirty="0"/>
+              <a:t>Persistence of workload instances</a:t>
+            </a:r>
+          </a:p>
+          <a:p>
+            <a:pPr marL="457200" lvl="1" indent="0" eaLnBrk="1" hangingPunct="1">
+              <a:buNone/>
+            </a:pPr>
+            <a:r>
+              <a:rPr lang="en-US" altLang="en-US" dirty="0"/>
+              <a:t>Ability to automatically provide workload state</a:t>
+            </a:r>
+          </a:p>
+        </p:txBody>
+      </p:sp>
+    </p:spTree>
+    <p:extLst>
+      <p:ext uri="{BB962C8B-B14F-4D97-AF65-F5344CB8AC3E}">
+        <p14:creationId xmlns:p14="http://schemas.microsoft.com/office/powerpoint/2010/main" val="1484268239"/>
+      </p:ext>
+    </p:extLst>
+  </p:cSld>
+  <p:clrMapOvr>
+    <a:masterClrMapping/>
+  </p:clrMapOvr>
+</p:sld>
+</file>
+
+<file path=ppt/slides/slide25.xml><?xml version="1.0" encoding="utf-8"?>
+<p:sld xmlns:a="http://schemas.openxmlformats.org/drawingml/2006/main" xmlns:r="http://schemas.openxmlformats.org/officeDocument/2006/relationships" xmlns:p="http://schemas.openxmlformats.org/presentationml/2006/main">
+  <p:cSld>
+    <p:spTree>
+      <p:nvGrpSpPr>
+        <p:cNvPr id="1" name=""/>
+        <p:cNvGrpSpPr/>
+        <p:nvPr/>
+      </p:nvGrpSpPr>
+      <p:grpSpPr>
+        <a:xfrm>
+          <a:off x="0" y="0"/>
+          <a:ext cx="0" cy="0"/>
+          <a:chOff x="0" y="0"/>
+          <a:chExt cx="0" cy="0"/>
+        </a:xfrm>
+      </p:grpSpPr>
+      <p:sp>
+        <p:nvSpPr>
+          <p:cNvPr id="8194" name="Title 1">
+            <a:extLst>
+              <a:ext uri="{FF2B5EF4-FFF2-40B4-BE49-F238E27FC236}">
+                <a16:creationId xmlns:a16="http://schemas.microsoft.com/office/drawing/2014/main" id="{1A1FD257-5A1C-0343-9495-A297DEAFC491}"/>
+              </a:ext>
+            </a:extLst>
+          </p:cNvPr>
+          <p:cNvSpPr>
+            <a:spLocks noGrp="1"/>
+          </p:cNvSpPr>
+          <p:nvPr>
+            <p:ph type="title"/>
+          </p:nvPr>
+        </p:nvSpPr>
+        <p:spPr/>
+        <p:txBody>
+          <a:bodyPr/>
+          <a:lstStyle/>
+          <a:p>
+            <a:pPr eaLnBrk="1" hangingPunct="1"/>
+            <a:r>
+              <a:rPr lang="en-US" altLang="en-US"/>
+              <a:t>Configuration</a:t>
+            </a:r>
+          </a:p>
+        </p:txBody>
+      </p:sp>
+      <p:sp>
+        <p:nvSpPr>
+          <p:cNvPr id="8195" name="Content Placeholder 2">
+            <a:extLst>
+              <a:ext uri="{FF2B5EF4-FFF2-40B4-BE49-F238E27FC236}">
+                <a16:creationId xmlns:a16="http://schemas.microsoft.com/office/drawing/2014/main" id="{3FD039EA-4014-2B43-A33D-D3CDE903A73B}"/>
+              </a:ext>
+            </a:extLst>
+          </p:cNvPr>
+          <p:cNvSpPr>
+            <a:spLocks noGrp="1"/>
+          </p:cNvSpPr>
+          <p:nvPr>
+            <p:ph idx="1"/>
+          </p:nvPr>
+        </p:nvSpPr>
+        <p:spPr/>
+        <p:txBody>
+          <a:bodyPr/>
+          <a:lstStyle/>
+          <a:p>
+            <a:pPr marL="0" indent="0" eaLnBrk="1" hangingPunct="1">
+              <a:buNone/>
+            </a:pPr>
+            <a:r>
+              <a:rPr lang="en-US" altLang="en-US" dirty="0"/>
+              <a:t>Done using </a:t>
+            </a:r>
+            <a:r>
+              <a:rPr lang="en-US" altLang="en-US" dirty="0" err="1"/>
+              <a:t>StructureMap</a:t>
+            </a:r>
+            <a:r>
+              <a:rPr lang="en-US" altLang="en-US" dirty="0"/>
+              <a:t> Registries to handle </a:t>
+            </a:r>
+            <a:r>
+              <a:rPr lang="en-US" altLang="en-US" dirty="0" err="1"/>
+              <a:t>IoC</a:t>
+            </a:r>
+            <a:r>
+              <a:rPr lang="en-US" altLang="en-US" dirty="0"/>
+              <a:t> / DI</a:t>
+            </a:r>
+          </a:p>
+          <a:p>
+            <a:pPr marL="0" indent="0" eaLnBrk="1" hangingPunct="1">
+              <a:buNone/>
+            </a:pPr>
+            <a:r>
+              <a:rPr lang="en-US" altLang="en-US" dirty="0"/>
+              <a:t>We will move to our own declarative model</a:t>
+            </a:r>
+          </a:p>
+          <a:p>
+            <a:pPr marL="0" indent="0" eaLnBrk="1" hangingPunct="1">
+              <a:buNone/>
+            </a:pPr>
+            <a:r>
+              <a:rPr lang="en-US" altLang="en-US" dirty="0"/>
+              <a:t>Allows for configuration of</a:t>
+            </a:r>
+          </a:p>
+          <a:p>
+            <a:pPr marL="457200" lvl="1" indent="0" eaLnBrk="1" hangingPunct="1">
+              <a:buNone/>
+            </a:pPr>
+            <a:r>
+              <a:rPr lang="en-US" altLang="en-US" dirty="0"/>
+              <a:t>How the application tier locates a given service</a:t>
+            </a:r>
+          </a:p>
+          <a:p>
+            <a:pPr marL="457200" lvl="1" indent="0" eaLnBrk="1" hangingPunct="1">
+              <a:buNone/>
+            </a:pPr>
+            <a:r>
+              <a:rPr lang="en-US" altLang="en-US" dirty="0"/>
+              <a:t>How services locate underlying infrastructure components</a:t>
+            </a:r>
+          </a:p>
+          <a:p>
+            <a:pPr marL="457200" lvl="1" indent="0" eaLnBrk="1" hangingPunct="1">
+              <a:buNone/>
+            </a:pPr>
+            <a:r>
+              <a:rPr lang="en-US" altLang="en-US" dirty="0"/>
+              <a:t>How infrastructure configuration parameters are defined and used</a:t>
+            </a:r>
+          </a:p>
+        </p:txBody>
+      </p:sp>
+    </p:spTree>
+    <p:extLst>
+      <p:ext uri="{BB962C8B-B14F-4D97-AF65-F5344CB8AC3E}">
+        <p14:creationId xmlns:p14="http://schemas.microsoft.com/office/powerpoint/2010/main" val="3882272398"/>
+      </p:ext>
+    </p:extLst>
+  </p:cSld>
+  <p:clrMapOvr>
+    <a:masterClrMapping/>
+  </p:clrMapOvr>
+</p:sld>
+</file>
+
+<file path=ppt/slides/slide26.xml><?xml version="1.0" encoding="utf-8"?>
+<p:sld xmlns:a="http://schemas.openxmlformats.org/drawingml/2006/main" xmlns:r="http://schemas.openxmlformats.org/officeDocument/2006/relationships" xmlns:p="http://schemas.openxmlformats.org/presentationml/2006/main">
+  <p:cSld>
+    <p:spTree>
+      <p:nvGrpSpPr>
+        <p:cNvPr id="1" name=""/>
+        <p:cNvGrpSpPr/>
+        <p:nvPr/>
+      </p:nvGrpSpPr>
+      <p:grpSpPr>
+        <a:xfrm>
+          <a:off x="0" y="0"/>
+          <a:ext cx="0" cy="0"/>
+          <a:chOff x="0" y="0"/>
+          <a:chExt cx="0" cy="0"/>
+        </a:xfrm>
+      </p:grpSpPr>
+      <p:sp>
+        <p:nvSpPr>
+          <p:cNvPr id="9218" name="Title 1">
+            <a:extLst>
+              <a:ext uri="{FF2B5EF4-FFF2-40B4-BE49-F238E27FC236}">
+                <a16:creationId xmlns:a16="http://schemas.microsoft.com/office/drawing/2014/main" id="{2199DA04-345F-DE4C-876C-DB38F9EF1CEA}"/>
+              </a:ext>
+            </a:extLst>
+          </p:cNvPr>
+          <p:cNvSpPr>
+            <a:spLocks noGrp="1"/>
+          </p:cNvSpPr>
+          <p:nvPr>
+            <p:ph type="title"/>
+          </p:nvPr>
+        </p:nvSpPr>
+        <p:spPr/>
+        <p:txBody>
+          <a:bodyPr/>
+          <a:lstStyle/>
+          <a:p>
+            <a:pPr eaLnBrk="1" hangingPunct="1"/>
+            <a:r>
+              <a:rPr lang="en-US" altLang="en-US"/>
+              <a:t>Deployment / scale units</a:t>
+            </a:r>
+          </a:p>
+        </p:txBody>
+      </p:sp>
+      <p:sp>
+        <p:nvSpPr>
+          <p:cNvPr id="9219" name="Content Placeholder 2">
+            <a:extLst>
+              <a:ext uri="{FF2B5EF4-FFF2-40B4-BE49-F238E27FC236}">
+                <a16:creationId xmlns:a16="http://schemas.microsoft.com/office/drawing/2014/main" id="{E6330E36-57F6-AA42-B7E3-FD8D3692EA2E}"/>
+              </a:ext>
+            </a:extLst>
+          </p:cNvPr>
+          <p:cNvSpPr>
+            <a:spLocks noGrp="1"/>
+          </p:cNvSpPr>
+          <p:nvPr>
+            <p:ph idx="1"/>
+          </p:nvPr>
+        </p:nvSpPr>
+        <p:spPr/>
+        <p:txBody>
+          <a:bodyPr/>
+          <a:lstStyle/>
+          <a:p>
+            <a:pPr marL="0" indent="0" eaLnBrk="1" hangingPunct="1">
+              <a:buNone/>
+            </a:pPr>
+            <a:r>
+              <a:rPr lang="en-US" altLang="en-US" dirty="0"/>
+              <a:t>Performance requirements</a:t>
+            </a:r>
+          </a:p>
+          <a:p>
+            <a:pPr marL="0" indent="0" eaLnBrk="1" hangingPunct="1">
+              <a:buNone/>
+            </a:pPr>
+            <a:r>
+              <a:rPr lang="en-US" altLang="en-US" dirty="0"/>
+              <a:t>Performance characteristics</a:t>
+            </a:r>
+          </a:p>
+          <a:p>
+            <a:pPr marL="0" indent="0" eaLnBrk="1" hangingPunct="1">
+              <a:buNone/>
+            </a:pPr>
+            <a:r>
+              <a:rPr lang="en-US" altLang="en-US" dirty="0"/>
+              <a:t>Versioning and A/B tests</a:t>
+            </a:r>
+          </a:p>
+          <a:p>
+            <a:pPr marL="0" indent="0" eaLnBrk="1" hangingPunct="1">
+              <a:buNone/>
+            </a:pPr>
+            <a:r>
+              <a:rPr lang="en-US" altLang="en-US" dirty="0"/>
+              <a:t>Latency</a:t>
+            </a:r>
+          </a:p>
+          <a:p>
+            <a:pPr marL="0" indent="0" eaLnBrk="1" hangingPunct="1">
+              <a:buNone/>
+            </a:pPr>
+            <a:r>
+              <a:rPr lang="en-US" altLang="en-US" dirty="0"/>
+              <a:t>Data and cache locality</a:t>
+            </a:r>
+          </a:p>
+          <a:p>
+            <a:pPr marL="0" indent="0" eaLnBrk="1" hangingPunct="1">
+              <a:buNone/>
+            </a:pPr>
+            <a:r>
+              <a:rPr lang="en-US" altLang="en-US" dirty="0"/>
+              <a:t>Different application and business models</a:t>
+            </a:r>
+          </a:p>
+        </p:txBody>
+      </p:sp>
+    </p:spTree>
+    <p:extLst>
+      <p:ext uri="{BB962C8B-B14F-4D97-AF65-F5344CB8AC3E}">
+        <p14:creationId xmlns:p14="http://schemas.microsoft.com/office/powerpoint/2010/main" val="2546583356"/>
+      </p:ext>
+    </p:extLst>
+  </p:cSld>
+  <p:clrMapOvr>
+    <a:masterClrMapping/>
+  </p:clrMapOvr>
+</p:sld>
+</file>
+
+<file path=ppt/slides/slide27.xml><?xml version="1.0" encoding="utf-8"?>
+<p:sld xmlns:a="http://schemas.openxmlformats.org/drawingml/2006/main" xmlns:r="http://schemas.openxmlformats.org/officeDocument/2006/relationships" xmlns:p="http://schemas.openxmlformats.org/presentationml/2006/main">
+  <p:cSld>
+    <p:spTree>
+      <p:nvGrpSpPr>
+        <p:cNvPr id="1" name=""/>
+        <p:cNvGrpSpPr/>
+        <p:nvPr/>
+      </p:nvGrpSpPr>
+      <p:grpSpPr>
+        <a:xfrm>
+          <a:off x="0" y="0"/>
+          <a:ext cx="0" cy="0"/>
+          <a:chOff x="0" y="0"/>
+          <a:chExt cx="0" cy="0"/>
+        </a:xfrm>
+      </p:grpSpPr>
+      <p:sp>
+        <p:nvSpPr>
           <p:cNvPr id="10242" name="Title 1">
             <a:extLst>
               <a:ext uri="{FF2B5EF4-FFF2-40B4-BE49-F238E27FC236}">
@@ -6017,6 +6706,11 @@
           </p:cNvGraphicFramePr>
           <p:nvPr>
             <p:ph idx="1"/>
+            <p:extLst>
+              <p:ext uri="{D42A27DB-BD31-4B8C-83A1-F6EECF244321}">
+                <p14:modId xmlns:p14="http://schemas.microsoft.com/office/powerpoint/2010/main" val="3568561630"/>
+              </p:ext>
+            </p:extLst>
           </p:nvPr>
         </p:nvGraphicFramePr>
         <p:xfrm>
@@ -6027,7 +6721,7 @@
           <a:graphicData uri="http://schemas.openxmlformats.org/drawingml/2006/table">
             <a:tbl>
               <a:tblPr firstRow="1" bandRow="1">
-                <a:tableStyleId>{00A15C55-8517-42AA-B614-E9B94910E393}</a:tableStyleId>
+                <a:tableStyleId>{93296810-A885-4BE3-A3E7-6D5BEEA58F35}</a:tableStyleId>
               </a:tblPr>
               <a:tblGrid>
                 <a:gridCol w="2860945">
@@ -6425,7 +7119,7 @@
 </p:sld>
 </file>
 
-<file path=ppt/slides/slide25.xml><?xml version="1.0" encoding="utf-8"?>
+<file path=ppt/slides/slide28.xml><?xml version="1.0" encoding="utf-8"?>
 <p:sld xmlns:a="http://schemas.openxmlformats.org/drawingml/2006/main" xmlns:r="http://schemas.openxmlformats.org/officeDocument/2006/relationships" xmlns:p="http://schemas.openxmlformats.org/presentationml/2006/main">
   <p:cSld>
     <p:spTree>
@@ -6485,6 +7179,11 @@
           </p:cNvGraphicFramePr>
           <p:nvPr>
             <p:ph idx="1"/>
+            <p:extLst>
+              <p:ext uri="{D42A27DB-BD31-4B8C-83A1-F6EECF244321}">
+                <p14:modId xmlns:p14="http://schemas.microsoft.com/office/powerpoint/2010/main" val="2034551576"/>
+              </p:ext>
+            </p:extLst>
           </p:nvPr>
         </p:nvGraphicFramePr>
         <p:xfrm>
@@ -6495,7 +7194,7 @@
           <a:graphicData uri="http://schemas.openxmlformats.org/drawingml/2006/table">
             <a:tbl>
               <a:tblPr firstRow="1" bandRow="1">
-                <a:tableStyleId>{00A15C55-8517-42AA-B614-E9B94910E393}</a:tableStyleId>
+                <a:tableStyleId>{93296810-A885-4BE3-A3E7-6D5BEEA58F35}</a:tableStyleId>
               </a:tblPr>
               <a:tblGrid>
                 <a:gridCol w="2525342">
@@ -6837,7 +7536,7 @@
 </p:sld>
 </file>
 
-<file path=ppt/slides/slide26.xml><?xml version="1.0" encoding="utf-8"?>
+<file path=ppt/slides/slide29.xml><?xml version="1.0" encoding="utf-8"?>
 <p:sld xmlns:a="http://schemas.openxmlformats.org/drawingml/2006/main" xmlns:r="http://schemas.openxmlformats.org/officeDocument/2006/relationships" xmlns:p="http://schemas.openxmlformats.org/presentationml/2006/main">
   <p:cSld>
     <p:spTree>
@@ -6925,7 +7624,7 @@
 </p:sld>
 </file>
 
-<file path=ppt/slides/slide27.xml><?xml version="1.0" encoding="utf-8"?>
+<file path=ppt/slides/slide3.xml><?xml version="1.0" encoding="utf-8"?>
 <p:sld xmlns:a="http://schemas.openxmlformats.org/drawingml/2006/main" xmlns:r="http://schemas.openxmlformats.org/officeDocument/2006/relationships" xmlns:p="http://schemas.openxmlformats.org/presentationml/2006/main">
   <p:cSld>
     <p:spTree>
@@ -6944,6 +7643,164 @@
       </p:grpSpPr>
       <p:sp>
         <p:nvSpPr>
+          <p:cNvPr id="2" name="Title 1"/>
+          <p:cNvSpPr>
+            <a:spLocks noGrp="1"/>
+          </p:cNvSpPr>
+          <p:nvPr>
+            <p:ph type="title"/>
+          </p:nvPr>
+        </p:nvSpPr>
+        <p:spPr/>
+        <p:txBody>
+          <a:bodyPr/>
+          <a:lstStyle/>
+          <a:p>
+            <a:r>
+              <a:rPr lang="en-US" dirty="0"/>
+              <a:t>The situation</a:t>
+            </a:r>
+          </a:p>
+        </p:txBody>
+      </p:sp>
+      <p:sp>
+        <p:nvSpPr>
+          <p:cNvPr id="3" name="Content Placeholder 2"/>
+          <p:cNvSpPr>
+            <a:spLocks noGrp="1"/>
+          </p:cNvSpPr>
+          <p:nvPr>
+            <p:ph idx="1"/>
+          </p:nvPr>
+        </p:nvSpPr>
+        <p:spPr/>
+        <p:txBody>
+          <a:bodyPr/>
+          <a:lstStyle/>
+          <a:p>
+            <a:pPr marL="0" indent="0">
+              <a:buNone/>
+            </a:pPr>
+            <a:r>
+              <a:rPr lang="en-US" dirty="0"/>
+              <a:t>An organically-grown monolith comprising</a:t>
+            </a:r>
+          </a:p>
+          <a:p>
+            <a:pPr marL="457200" lvl="1" indent="0">
+              <a:buNone/>
+            </a:pPr>
+            <a:r>
+              <a:rPr lang="en-US" dirty="0"/>
+              <a:t>A tax calculation engine written in VB.NET and C#</a:t>
+            </a:r>
+          </a:p>
+          <a:p>
+            <a:pPr marL="457200" lvl="1" indent="0">
+              <a:buNone/>
+            </a:pPr>
+            <a:r>
+              <a:rPr lang="en-US" dirty="0"/>
+              <a:t>A ”reporting” system, an 8-hour cube process</a:t>
+            </a:r>
+          </a:p>
+          <a:p>
+            <a:pPr marL="457200" lvl="1" indent="0">
+              <a:buNone/>
+            </a:pPr>
+            <a:r>
+              <a:rPr lang="en-US" dirty="0"/>
+              <a:t>SOAP interfaces and an SDK</a:t>
+            </a:r>
+          </a:p>
+          <a:p>
+            <a:pPr marL="457200" lvl="1" indent="0">
+              <a:buNone/>
+            </a:pPr>
+            <a:r>
+              <a:rPr lang="en-US" dirty="0"/>
+              <a:t>2+ billion tax rows, run rate of ~100 million / month (and growing)</a:t>
+            </a:r>
+          </a:p>
+          <a:p>
+            <a:pPr marL="457200" lvl="1" indent="0">
+              <a:buNone/>
+            </a:pPr>
+            <a:r>
+              <a:rPr lang="en-US" dirty="0"/>
+              <a:t>100ms budget per document</a:t>
+            </a:r>
+          </a:p>
+          <a:p>
+            <a:pPr marL="457200" lvl="1" indent="0">
+              <a:buNone/>
+            </a:pPr>
+            <a:r>
+              <a:rPr lang="en-US" dirty="0"/>
+              <a:t>A batch subsystem based on a CSV format</a:t>
+            </a:r>
+          </a:p>
+          <a:p>
+            <a:pPr marL="457200" lvl="1" indent="0">
+              <a:buNone/>
+            </a:pPr>
+            <a:r>
+              <a:rPr lang="en-US" dirty="0"/>
+              <a:t>A UI written in jQuery and ASPX web forms</a:t>
+            </a:r>
+          </a:p>
+          <a:p>
+            <a:pPr marL="457200" lvl="1" indent="0">
+              <a:buNone/>
+            </a:pPr>
+            <a:r>
+              <a:rPr lang="en-US" dirty="0"/>
+              <a:t>A Silverlight application used for managing geographical boundaries</a:t>
+            </a:r>
+          </a:p>
+          <a:p>
+            <a:pPr marL="457200" lvl="1" indent="0">
+              <a:buNone/>
+            </a:pPr>
+            <a:r>
+              <a:rPr lang="en-US" dirty="0"/>
+              <a:t>A map tiler</a:t>
+            </a:r>
+          </a:p>
+        </p:txBody>
+      </p:sp>
+    </p:spTree>
+    <p:extLst>
+      <p:ext uri="{BB962C8B-B14F-4D97-AF65-F5344CB8AC3E}">
+        <p14:creationId xmlns:p14="http://schemas.microsoft.com/office/powerpoint/2010/main" val="2093001974"/>
+      </p:ext>
+    </p:extLst>
+  </p:cSld>
+  <p:clrMapOvr>
+    <a:masterClrMapping/>
+  </p:clrMapOvr>
+</p:sld>
+</file>
+
+<file path=ppt/slides/slide30.xml><?xml version="1.0" encoding="utf-8"?>
+<p:sld xmlns:a="http://schemas.openxmlformats.org/drawingml/2006/main" xmlns:r="http://schemas.openxmlformats.org/officeDocument/2006/relationships" xmlns:p="http://schemas.openxmlformats.org/presentationml/2006/main">
+  <p:cSld>
+    <p:spTree>
+      <p:nvGrpSpPr>
+        <p:cNvPr id="1" name=""/>
+        <p:cNvGrpSpPr/>
+        <p:nvPr/>
+      </p:nvGrpSpPr>
+      <p:grpSpPr>
+        <a:xfrm>
+          <a:off x="0" y="0"/>
+          <a:ext cx="0" cy="0"/>
+          <a:chOff x="0" y="0"/>
+          <a:chExt cx="0" cy="0"/>
+        </a:xfrm>
+      </p:grpSpPr>
+      <p:sp>
+        <p:nvSpPr>
           <p:cNvPr id="2" name="Title 1">
             <a:extLst>
               <a:ext uri="{FF2B5EF4-FFF2-40B4-BE49-F238E27FC236}">
@@ -7008,7 +7865,7 @@
 </p:sld>
 </file>
 
-<file path=ppt/slides/slide28.xml><?xml version="1.0" encoding="utf-8"?>
+<file path=ppt/slides/slide31.xml><?xml version="1.0" encoding="utf-8"?>
 <p:sld xmlns:a="http://schemas.openxmlformats.org/drawingml/2006/main" xmlns:r="http://schemas.openxmlformats.org/officeDocument/2006/relationships" xmlns:p="http://schemas.openxmlformats.org/presentationml/2006/main">
   <p:cSld>
     <p:spTree>
@@ -7096,7 +7953,7 @@
 </p:sld>
 </file>
 
-<file path=ppt/slides/slide29.xml><?xml version="1.0" encoding="utf-8"?>
+<file path=ppt/slides/slide32.xml><?xml version="1.0" encoding="utf-8"?>
 <p:sld xmlns:a="http://schemas.openxmlformats.org/drawingml/2006/main" xmlns:r="http://schemas.openxmlformats.org/officeDocument/2006/relationships" xmlns:p="http://schemas.openxmlformats.org/presentationml/2006/main">
   <p:cSld>
     <p:spTree>
@@ -7184,165 +8041,7 @@
 </p:sld>
 </file>
 
-<file path=ppt/slides/slide3.xml><?xml version="1.0" encoding="utf-8"?>
-<p:sld xmlns:a="http://schemas.openxmlformats.org/drawingml/2006/main" xmlns:r="http://schemas.openxmlformats.org/officeDocument/2006/relationships" xmlns:p="http://schemas.openxmlformats.org/presentationml/2006/main">
-  <p:cSld>
-    <p:spTree>
-      <p:nvGrpSpPr>
-        <p:cNvPr id="1" name=""/>
-        <p:cNvGrpSpPr/>
-        <p:nvPr/>
-      </p:nvGrpSpPr>
-      <p:grpSpPr>
-        <a:xfrm>
-          <a:off x="0" y="0"/>
-          <a:ext cx="0" cy="0"/>
-          <a:chOff x="0" y="0"/>
-          <a:chExt cx="0" cy="0"/>
-        </a:xfrm>
-      </p:grpSpPr>
-      <p:sp>
-        <p:nvSpPr>
-          <p:cNvPr id="2" name="Title 1"/>
-          <p:cNvSpPr>
-            <a:spLocks noGrp="1"/>
-          </p:cNvSpPr>
-          <p:nvPr>
-            <p:ph type="title"/>
-          </p:nvPr>
-        </p:nvSpPr>
-        <p:spPr/>
-        <p:txBody>
-          <a:bodyPr/>
-          <a:lstStyle/>
-          <a:p>
-            <a:r>
-              <a:rPr lang="en-US" dirty="0"/>
-              <a:t>The situation</a:t>
-            </a:r>
-          </a:p>
-        </p:txBody>
-      </p:sp>
-      <p:sp>
-        <p:nvSpPr>
-          <p:cNvPr id="3" name="Content Placeholder 2"/>
-          <p:cNvSpPr>
-            <a:spLocks noGrp="1"/>
-          </p:cNvSpPr>
-          <p:nvPr>
-            <p:ph idx="1"/>
-          </p:nvPr>
-        </p:nvSpPr>
-        <p:spPr/>
-        <p:txBody>
-          <a:bodyPr/>
-          <a:lstStyle/>
-          <a:p>
-            <a:pPr marL="0" indent="0">
-              <a:buNone/>
-            </a:pPr>
-            <a:r>
-              <a:rPr lang="en-US" dirty="0"/>
-              <a:t>An organically-grown monolith comprising</a:t>
-            </a:r>
-          </a:p>
-          <a:p>
-            <a:pPr marL="457200" lvl="1" indent="0">
-              <a:buNone/>
-            </a:pPr>
-            <a:r>
-              <a:rPr lang="en-US" dirty="0"/>
-              <a:t>A tax calculation engine written in VB.NET and C#</a:t>
-            </a:r>
-          </a:p>
-          <a:p>
-            <a:pPr marL="457200" lvl="1" indent="0">
-              <a:buNone/>
-            </a:pPr>
-            <a:r>
-              <a:rPr lang="en-US" dirty="0"/>
-              <a:t>A ”reporting” system, an 8-hour cube process</a:t>
-            </a:r>
-          </a:p>
-          <a:p>
-            <a:pPr marL="457200" lvl="1" indent="0">
-              <a:buNone/>
-            </a:pPr>
-            <a:r>
-              <a:rPr lang="en-US" dirty="0"/>
-              <a:t>SOAP interfaces and an SDK</a:t>
-            </a:r>
-          </a:p>
-          <a:p>
-            <a:pPr marL="457200" lvl="1" indent="0">
-              <a:buNone/>
-            </a:pPr>
-            <a:r>
-              <a:rPr lang="en-US" dirty="0"/>
-              <a:t>2+ billion tax rows, run rate of ~100 million / month (and growing)</a:t>
-            </a:r>
-          </a:p>
-          <a:p>
-            <a:pPr marL="457200" lvl="1" indent="0">
-              <a:buNone/>
-            </a:pPr>
-            <a:r>
-              <a:rPr lang="en-US" dirty="0"/>
-              <a:t>100ms budget per document</a:t>
-            </a:r>
-          </a:p>
-          <a:p>
-            <a:pPr marL="457200" lvl="1" indent="0">
-              <a:buNone/>
-            </a:pPr>
-            <a:r>
-              <a:rPr lang="en-US" dirty="0"/>
-              <a:t>A batch subsystem based on a CSV format</a:t>
-            </a:r>
-          </a:p>
-          <a:p>
-            <a:pPr marL="457200" lvl="1" indent="0">
-              <a:buNone/>
-            </a:pPr>
-            <a:r>
-              <a:rPr lang="en-US" dirty="0"/>
-              <a:t>A UI written in jQuery and ASPX web forms</a:t>
-            </a:r>
-          </a:p>
-          <a:p>
-            <a:pPr marL="457200" lvl="1" indent="0">
-              <a:buNone/>
-            </a:pPr>
-            <a:r>
-              <a:rPr lang="en-US" dirty="0"/>
-              <a:t>A Silverlight application used for managing geographical boundaries</a:t>
-            </a:r>
-          </a:p>
-          <a:p>
-            <a:pPr marL="457200" lvl="1" indent="0">
-              <a:buNone/>
-            </a:pPr>
-            <a:r>
-              <a:rPr lang="en-US" dirty="0"/>
-              <a:t>A map tiler</a:t>
-            </a:r>
-          </a:p>
-        </p:txBody>
-      </p:sp>
-    </p:spTree>
-    <p:extLst>
-      <p:ext uri="{BB962C8B-B14F-4D97-AF65-F5344CB8AC3E}">
-        <p14:creationId xmlns:p14="http://schemas.microsoft.com/office/powerpoint/2010/main" val="2093001974"/>
-      </p:ext>
-    </p:extLst>
-  </p:cSld>
-  <p:clrMapOvr>
-    <a:masterClrMapping/>
-  </p:clrMapOvr>
-</p:sld>
-</file>
-
-<file path=ppt/slides/slide30.xml><?xml version="1.0" encoding="utf-8"?>
+<file path=ppt/slides/slide33.xml><?xml version="1.0" encoding="utf-8"?>
 <p:sld xmlns:a="http://schemas.openxmlformats.org/drawingml/2006/main" xmlns:r="http://schemas.openxmlformats.org/officeDocument/2006/relationships" xmlns:p="http://schemas.openxmlformats.org/presentationml/2006/main">
   <p:cSld>
     <p:spTree>
@@ -7430,7 +8129,7 @@
 </p:sld>
 </file>
 
-<file path=ppt/slides/slide31.xml><?xml version="1.0" encoding="utf-8"?>
+<file path=ppt/slides/slide34.xml><?xml version="1.0" encoding="utf-8"?>
 <p:sld xmlns:a="http://schemas.openxmlformats.org/drawingml/2006/main" xmlns:r="http://schemas.openxmlformats.org/officeDocument/2006/relationships" xmlns:p="http://schemas.openxmlformats.org/presentationml/2006/main">
   <p:cSld>
     <p:spTree>
@@ -7518,7 +8217,7 @@
 </p:sld>
 </file>
 
-<file path=ppt/slides/slide32.xml><?xml version="1.0" encoding="utf-8"?>
+<file path=ppt/slides/slide35.xml><?xml version="1.0" encoding="utf-8"?>
 <p:sld xmlns:a="http://schemas.openxmlformats.org/drawingml/2006/main" xmlns:r="http://schemas.openxmlformats.org/officeDocument/2006/relationships" xmlns:p="http://schemas.openxmlformats.org/presentationml/2006/main">
   <p:cSld>
     <p:spTree>
@@ -7608,7 +8307,7 @@
 </p:sld>
 </file>
 
-<file path=ppt/slides/slide33.xml><?xml version="1.0" encoding="utf-8"?>
+<file path=ppt/slides/slide36.xml><?xml version="1.0" encoding="utf-8"?>
 <p:sld xmlns:a="http://schemas.openxmlformats.org/drawingml/2006/main" xmlns:r="http://schemas.openxmlformats.org/officeDocument/2006/relationships" xmlns:p="http://schemas.openxmlformats.org/presentationml/2006/main">
   <p:cSld>
     <p:spTree>
@@ -7698,7 +8397,7 @@
 </p:sld>
 </file>
 
-<file path=ppt/slides/slide34.xml><?xml version="1.0" encoding="utf-8"?>
+<file path=ppt/slides/slide37.xml><?xml version="1.0" encoding="utf-8"?>
 <p:sld xmlns:a="http://schemas.openxmlformats.org/drawingml/2006/main" xmlns:r="http://schemas.openxmlformats.org/officeDocument/2006/relationships" xmlns:p="http://schemas.openxmlformats.org/presentationml/2006/main">
   <p:cSld>
     <p:spTree>
@@ -7788,7 +8487,7 @@
 </p:sld>
 </file>
 
-<file path=ppt/slides/slide35.xml><?xml version="1.0" encoding="utf-8"?>
+<file path=ppt/slides/slide38.xml><?xml version="1.0" encoding="utf-8"?>
 <p:sld xmlns:a="http://schemas.openxmlformats.org/drawingml/2006/main" xmlns:r="http://schemas.openxmlformats.org/officeDocument/2006/relationships" xmlns:p="http://schemas.openxmlformats.org/presentationml/2006/main">
   <p:cSld>
     <p:spTree>
@@ -7878,7 +8577,7 @@
 </p:sld>
 </file>
 
-<file path=ppt/slides/slide36.xml><?xml version="1.0" encoding="utf-8"?>
+<file path=ppt/slides/slide39.xml><?xml version="1.0" encoding="utf-8"?>
 <p:sld xmlns:a="http://schemas.openxmlformats.org/drawingml/2006/main" xmlns:r="http://schemas.openxmlformats.org/officeDocument/2006/relationships" xmlns:p="http://schemas.openxmlformats.org/presentationml/2006/main">
   <p:cSld>
     <p:spTree>
@@ -7968,7 +8667,456 @@
 </p:sld>
 </file>
 
-<file path=ppt/slides/slide37.xml><?xml version="1.0" encoding="utf-8"?>
+<file path=ppt/slides/slide4.xml><?xml version="1.0" encoding="utf-8"?>
+<p:sld xmlns:a="http://schemas.openxmlformats.org/drawingml/2006/main" xmlns:r="http://schemas.openxmlformats.org/officeDocument/2006/relationships" xmlns:p="http://schemas.openxmlformats.org/presentationml/2006/main">
+  <p:cSld>
+    <p:spTree>
+      <p:nvGrpSpPr>
+        <p:cNvPr id="1" name=""/>
+        <p:cNvGrpSpPr/>
+        <p:nvPr/>
+      </p:nvGrpSpPr>
+      <p:grpSpPr>
+        <a:xfrm>
+          <a:off x="0" y="0"/>
+          <a:ext cx="0" cy="0"/>
+          <a:chOff x="0" y="0"/>
+          <a:chExt cx="0" cy="0"/>
+        </a:xfrm>
+      </p:grpSpPr>
+      <p:sp>
+        <p:nvSpPr>
+          <p:cNvPr id="2" name="Title 1"/>
+          <p:cNvSpPr>
+            <a:spLocks noGrp="1"/>
+          </p:cNvSpPr>
+          <p:nvPr>
+            <p:ph type="title"/>
+          </p:nvPr>
+        </p:nvSpPr>
+        <p:spPr/>
+        <p:txBody>
+          <a:bodyPr/>
+          <a:lstStyle/>
+          <a:p>
+            <a:r>
+              <a:rPr lang="en-US" dirty="0"/>
+              <a:t>The features</a:t>
+            </a:r>
+          </a:p>
+        </p:txBody>
+      </p:sp>
+      <p:sp>
+        <p:nvSpPr>
+          <p:cNvPr id="3" name="Content Placeholder 2"/>
+          <p:cNvSpPr>
+            <a:spLocks noGrp="1"/>
+          </p:cNvSpPr>
+          <p:nvPr>
+            <p:ph idx="1"/>
+          </p:nvPr>
+        </p:nvSpPr>
+        <p:spPr/>
+        <p:txBody>
+          <a:bodyPr/>
+          <a:lstStyle/>
+          <a:p>
+            <a:pPr marL="0" indent="0">
+              <a:buNone/>
+            </a:pPr>
+            <a:r>
+              <a:rPr lang="en-US" dirty="0"/>
+              <a:t>A tax document calculation engine</a:t>
+            </a:r>
+          </a:p>
+          <a:p>
+            <a:pPr marL="0" indent="0">
+              <a:buNone/>
+            </a:pPr>
+            <a:r>
+              <a:rPr lang="en-US" dirty="0"/>
+              <a:t>An address cleaner and geocoder</a:t>
+            </a:r>
+          </a:p>
+          <a:p>
+            <a:pPr marL="0" indent="0">
+              <a:buNone/>
+            </a:pPr>
+            <a:r>
+              <a:rPr lang="en-US" dirty="0"/>
+              <a:t>An online ”tax map”</a:t>
+            </a:r>
+          </a:p>
+          <a:p>
+            <a:pPr marL="0" indent="0">
+              <a:buNone/>
+            </a:pPr>
+            <a:r>
+              <a:rPr lang="en-US" dirty="0"/>
+              <a:t>Batch-as-import</a:t>
+            </a:r>
+          </a:p>
+          <a:p>
+            <a:pPr marL="0" indent="0">
+              <a:buNone/>
+            </a:pPr>
+            <a:r>
+              <a:rPr lang="en-US" dirty="0"/>
+              <a:t>Report-as-export</a:t>
+            </a:r>
+          </a:p>
+          <a:p>
+            <a:pPr marL="0" indent="0">
+              <a:buNone/>
+            </a:pPr>
+            <a:r>
+              <a:rPr lang="en-US" dirty="0"/>
+              <a:t>~400 methods across 10 SOAP endpoints</a:t>
+            </a:r>
+          </a:p>
+        </p:txBody>
+      </p:sp>
+    </p:spTree>
+    <p:extLst>
+      <p:ext uri="{BB962C8B-B14F-4D97-AF65-F5344CB8AC3E}">
+        <p14:creationId xmlns:p14="http://schemas.microsoft.com/office/powerpoint/2010/main" val="1088403486"/>
+      </p:ext>
+    </p:extLst>
+  </p:cSld>
+  <p:clrMapOvr>
+    <a:masterClrMapping/>
+  </p:clrMapOvr>
+  <p:timing>
+    <p:tnLst>
+      <p:par>
+        <p:cTn id="1" dur="indefinite" restart="never" nodeType="tmRoot">
+          <p:childTnLst>
+            <p:seq concurrent="1" nextAc="seek">
+              <p:cTn id="2" dur="indefinite" nodeType="mainSeq">
+                <p:childTnLst>
+                  <p:par>
+                    <p:cTn id="3" fill="hold">
+                      <p:stCondLst>
+                        <p:cond delay="indefinite"/>
+                      </p:stCondLst>
+                      <p:childTnLst>
+                        <p:par>
+                          <p:cTn id="4" fill="hold">
+                            <p:stCondLst>
+                              <p:cond delay="0"/>
+                            </p:stCondLst>
+                            <p:childTnLst>
+                              <p:par>
+                                <p:cTn id="5" presetID="1" presetClass="entr" presetSubtype="0" fill="hold" grpId="0" nodeType="clickEffect">
+                                  <p:stCondLst>
+                                    <p:cond delay="0"/>
+                                  </p:stCondLst>
+                                  <p:childTnLst>
+                                    <p:set>
+                                      <p:cBhvr>
+                                        <p:cTn id="6" dur="1" fill="hold">
+                                          <p:stCondLst>
+                                            <p:cond delay="0"/>
+                                          </p:stCondLst>
+                                        </p:cTn>
+                                        <p:tgtEl>
+                                          <p:spTgt spid="3">
+                                            <p:txEl>
+                                              <p:pRg st="0" end="0"/>
+                                            </p:txEl>
+                                          </p:spTgt>
+                                        </p:tgtEl>
+                                        <p:attrNameLst>
+                                          <p:attrName>style.visibility</p:attrName>
+                                        </p:attrNameLst>
+                                      </p:cBhvr>
+                                      <p:to>
+                                        <p:strVal val="visible"/>
+                                      </p:to>
+                                    </p:set>
+                                  </p:childTnLst>
+                                </p:cTn>
+                              </p:par>
+                            </p:childTnLst>
+                          </p:cTn>
+                        </p:par>
+                      </p:childTnLst>
+                    </p:cTn>
+                  </p:par>
+                  <p:par>
+                    <p:cTn id="7" fill="hold">
+                      <p:stCondLst>
+                        <p:cond delay="indefinite"/>
+                      </p:stCondLst>
+                      <p:childTnLst>
+                        <p:par>
+                          <p:cTn id="8" fill="hold">
+                            <p:stCondLst>
+                              <p:cond delay="0"/>
+                            </p:stCondLst>
+                            <p:childTnLst>
+                              <p:par>
+                                <p:cTn id="9" presetID="1" presetClass="entr" presetSubtype="0" fill="hold" grpId="0" nodeType="clickEffect">
+                                  <p:stCondLst>
+                                    <p:cond delay="0"/>
+                                  </p:stCondLst>
+                                  <p:childTnLst>
+                                    <p:set>
+                                      <p:cBhvr>
+                                        <p:cTn id="10" dur="1" fill="hold">
+                                          <p:stCondLst>
+                                            <p:cond delay="0"/>
+                                          </p:stCondLst>
+                                        </p:cTn>
+                                        <p:tgtEl>
+                                          <p:spTgt spid="3">
+                                            <p:txEl>
+                                              <p:pRg st="1" end="1"/>
+                                            </p:txEl>
+                                          </p:spTgt>
+                                        </p:tgtEl>
+                                        <p:attrNameLst>
+                                          <p:attrName>style.visibility</p:attrName>
+                                        </p:attrNameLst>
+                                      </p:cBhvr>
+                                      <p:to>
+                                        <p:strVal val="visible"/>
+                                      </p:to>
+                                    </p:set>
+                                  </p:childTnLst>
+                                </p:cTn>
+                              </p:par>
+                            </p:childTnLst>
+                          </p:cTn>
+                        </p:par>
+                      </p:childTnLst>
+                    </p:cTn>
+                  </p:par>
+                  <p:par>
+                    <p:cTn id="11" fill="hold">
+                      <p:stCondLst>
+                        <p:cond delay="indefinite"/>
+                      </p:stCondLst>
+                      <p:childTnLst>
+                        <p:par>
+                          <p:cTn id="12" fill="hold">
+                            <p:stCondLst>
+                              <p:cond delay="0"/>
+                            </p:stCondLst>
+                            <p:childTnLst>
+                              <p:par>
+                                <p:cTn id="13" presetID="1" presetClass="entr" presetSubtype="0" fill="hold" grpId="0" nodeType="clickEffect">
+                                  <p:stCondLst>
+                                    <p:cond delay="0"/>
+                                  </p:stCondLst>
+                                  <p:childTnLst>
+                                    <p:set>
+                                      <p:cBhvr>
+                                        <p:cTn id="14" dur="1" fill="hold">
+                                          <p:stCondLst>
+                                            <p:cond delay="0"/>
+                                          </p:stCondLst>
+                                        </p:cTn>
+                                        <p:tgtEl>
+                                          <p:spTgt spid="3">
+                                            <p:txEl>
+                                              <p:pRg st="2" end="2"/>
+                                            </p:txEl>
+                                          </p:spTgt>
+                                        </p:tgtEl>
+                                        <p:attrNameLst>
+                                          <p:attrName>style.visibility</p:attrName>
+                                        </p:attrNameLst>
+                                      </p:cBhvr>
+                                      <p:to>
+                                        <p:strVal val="visible"/>
+                                      </p:to>
+                                    </p:set>
+                                  </p:childTnLst>
+                                </p:cTn>
+                              </p:par>
+                            </p:childTnLst>
+                          </p:cTn>
+                        </p:par>
+                      </p:childTnLst>
+                    </p:cTn>
+                  </p:par>
+                  <p:par>
+                    <p:cTn id="15" fill="hold">
+                      <p:stCondLst>
+                        <p:cond delay="indefinite"/>
+                      </p:stCondLst>
+                      <p:childTnLst>
+                        <p:par>
+                          <p:cTn id="16" fill="hold">
+                            <p:stCondLst>
+                              <p:cond delay="0"/>
+                            </p:stCondLst>
+                            <p:childTnLst>
+                              <p:par>
+                                <p:cTn id="17" presetID="1" presetClass="entr" presetSubtype="0" fill="hold" grpId="0" nodeType="clickEffect">
+                                  <p:stCondLst>
+                                    <p:cond delay="0"/>
+                                  </p:stCondLst>
+                                  <p:childTnLst>
+                                    <p:set>
+                                      <p:cBhvr>
+                                        <p:cTn id="18" dur="1" fill="hold">
+                                          <p:stCondLst>
+                                            <p:cond delay="0"/>
+                                          </p:stCondLst>
+                                        </p:cTn>
+                                        <p:tgtEl>
+                                          <p:spTgt spid="3">
+                                            <p:txEl>
+                                              <p:pRg st="3" end="3"/>
+                                            </p:txEl>
+                                          </p:spTgt>
+                                        </p:tgtEl>
+                                        <p:attrNameLst>
+                                          <p:attrName>style.visibility</p:attrName>
+                                        </p:attrNameLst>
+                                      </p:cBhvr>
+                                      <p:to>
+                                        <p:strVal val="visible"/>
+                                      </p:to>
+                                    </p:set>
+                                  </p:childTnLst>
+                                </p:cTn>
+                              </p:par>
+                            </p:childTnLst>
+                          </p:cTn>
+                        </p:par>
+                      </p:childTnLst>
+                    </p:cTn>
+                  </p:par>
+                  <p:par>
+                    <p:cTn id="19" fill="hold">
+                      <p:stCondLst>
+                        <p:cond delay="indefinite"/>
+                      </p:stCondLst>
+                      <p:childTnLst>
+                        <p:par>
+                          <p:cTn id="20" fill="hold">
+                            <p:stCondLst>
+                              <p:cond delay="0"/>
+                            </p:stCondLst>
+                            <p:childTnLst>
+                              <p:par>
+                                <p:cTn id="21" presetID="1" presetClass="entr" presetSubtype="0" fill="hold" grpId="0" nodeType="clickEffect">
+                                  <p:stCondLst>
+                                    <p:cond delay="0"/>
+                                  </p:stCondLst>
+                                  <p:childTnLst>
+                                    <p:set>
+                                      <p:cBhvr>
+                                        <p:cTn id="22" dur="1" fill="hold">
+                                          <p:stCondLst>
+                                            <p:cond delay="0"/>
+                                          </p:stCondLst>
+                                        </p:cTn>
+                                        <p:tgtEl>
+                                          <p:spTgt spid="3">
+                                            <p:txEl>
+                                              <p:pRg st="4" end="4"/>
+                                            </p:txEl>
+                                          </p:spTgt>
+                                        </p:tgtEl>
+                                        <p:attrNameLst>
+                                          <p:attrName>style.visibility</p:attrName>
+                                        </p:attrNameLst>
+                                      </p:cBhvr>
+                                      <p:to>
+                                        <p:strVal val="visible"/>
+                                      </p:to>
+                                    </p:set>
+                                  </p:childTnLst>
+                                </p:cTn>
+                              </p:par>
+                            </p:childTnLst>
+                          </p:cTn>
+                        </p:par>
+                      </p:childTnLst>
+                    </p:cTn>
+                  </p:par>
+                  <p:par>
+                    <p:cTn id="23" fill="hold">
+                      <p:stCondLst>
+                        <p:cond delay="indefinite"/>
+                      </p:stCondLst>
+                      <p:childTnLst>
+                        <p:par>
+                          <p:cTn id="24" fill="hold">
+                            <p:stCondLst>
+                              <p:cond delay="0"/>
+                            </p:stCondLst>
+                            <p:childTnLst>
+                              <p:par>
+                                <p:cTn id="25" presetID="1" presetClass="entr" presetSubtype="0" fill="hold" grpId="0" nodeType="clickEffect">
+                                  <p:stCondLst>
+                                    <p:cond delay="0"/>
+                                  </p:stCondLst>
+                                  <p:childTnLst>
+                                    <p:set>
+                                      <p:cBhvr>
+                                        <p:cTn id="26" dur="1" fill="hold">
+                                          <p:stCondLst>
+                                            <p:cond delay="0"/>
+                                          </p:stCondLst>
+                                        </p:cTn>
+                                        <p:tgtEl>
+                                          <p:spTgt spid="3">
+                                            <p:txEl>
+                                              <p:pRg st="5" end="5"/>
+                                            </p:txEl>
+                                          </p:spTgt>
+                                        </p:tgtEl>
+                                        <p:attrNameLst>
+                                          <p:attrName>style.visibility</p:attrName>
+                                        </p:attrNameLst>
+                                      </p:cBhvr>
+                                      <p:to>
+                                        <p:strVal val="visible"/>
+                                      </p:to>
+                                    </p:set>
+                                  </p:childTnLst>
+                                </p:cTn>
+                              </p:par>
+                            </p:childTnLst>
+                          </p:cTn>
+                        </p:par>
+                      </p:childTnLst>
+                    </p:cTn>
+                  </p:par>
+                </p:childTnLst>
+              </p:cTn>
+              <p:prevCondLst>
+                <p:cond evt="onPrev" delay="0">
+                  <p:tgtEl>
+                    <p:sldTgt/>
+                  </p:tgtEl>
+                </p:cond>
+              </p:prevCondLst>
+              <p:nextCondLst>
+                <p:cond evt="onNext" delay="0">
+                  <p:tgtEl>
+                    <p:sldTgt/>
+                  </p:tgtEl>
+                </p:cond>
+              </p:nextCondLst>
+            </p:seq>
+          </p:childTnLst>
+        </p:cTn>
+      </p:par>
+    </p:tnLst>
+    <p:bldLst>
+      <p:bldP spid="3" grpId="0" build="p"/>
+    </p:bldLst>
+  </p:timing>
+</p:sld>
+</file>
+
+<file path=ppt/slides/slide40.xml><?xml version="1.0" encoding="utf-8"?>
 <p:sld xmlns:a="http://schemas.openxmlformats.org/drawingml/2006/main" xmlns:r="http://schemas.openxmlformats.org/officeDocument/2006/relationships" xmlns:p="http://schemas.openxmlformats.org/presentationml/2006/main">
   <p:cSld>
     <p:spTree>
@@ -8058,7 +9206,7 @@
 </p:sld>
 </file>
 
-<file path=ppt/slides/slide38.xml><?xml version="1.0" encoding="utf-8"?>
+<file path=ppt/slides/slide41.xml><?xml version="1.0" encoding="utf-8"?>
 <p:sld xmlns:a="http://schemas.openxmlformats.org/drawingml/2006/main" xmlns:r="http://schemas.openxmlformats.org/officeDocument/2006/relationships" xmlns:p="http://schemas.openxmlformats.org/presentationml/2006/main">
   <p:cSld>
     <p:spTree>
@@ -8273,7 +9421,7 @@
 </p:sld>
 </file>
 
-<file path=ppt/slides/slide4.xml><?xml version="1.0" encoding="utf-8"?>
+<file path=ppt/slides/slide5.xml><?xml version="1.0" encoding="utf-8"?>
 <p:sld xmlns:a="http://schemas.openxmlformats.org/drawingml/2006/main" xmlns:r="http://schemas.openxmlformats.org/officeDocument/2006/relationships" xmlns:p="http://schemas.openxmlformats.org/presentationml/2006/main">
   <p:cSld>
     <p:spTree>
@@ -8307,7 +9455,7 @@
           <a:p>
             <a:r>
               <a:rPr lang="en-US" dirty="0"/>
-              <a:t>The features</a:t>
+              <a:t>The tax request</a:t>
             </a:r>
           </a:p>
         </p:txBody>
@@ -8332,60 +9480,359 @@
             </a:pPr>
             <a:r>
               <a:rPr lang="en-US" dirty="0"/>
-              <a:t>A tax document calculation engine</a:t>
-            </a:r>
+              <a:t>An XML “tax document” is received (invoice or purchase order)</a:t>
+            </a:r>
+          </a:p>
+          <a:p>
+            <a:pPr marL="457200" lvl="1" indent="0">
+              <a:buNone/>
+            </a:pPr>
+            <a:endParaRPr lang="en-US" dirty="0"/>
+          </a:p>
+          <a:p>
+            <a:pPr marL="457200" lvl="1" indent="0">
+              <a:buNone/>
+            </a:pPr>
+            <a:r>
+              <a:rPr lang="en-US" dirty="0"/>
+              <a:t>Might be tagged as New, Update, or Temporary</a:t>
+            </a:r>
+          </a:p>
+          <a:p>
+            <a:pPr marL="457200" lvl="1" indent="0">
+              <a:buNone/>
+            </a:pPr>
+            <a:r>
+              <a:rPr lang="en-US" dirty="0"/>
+              <a:t>Each document has several lines</a:t>
+            </a:r>
+          </a:p>
+          <a:p>
+            <a:pPr marL="457200" lvl="1" indent="0">
+              <a:buNone/>
+            </a:pPr>
+            <a:r>
+              <a:rPr lang="en-US" dirty="0"/>
+              <a:t>Each line may have an address or two or three</a:t>
+            </a:r>
+          </a:p>
+          <a:p>
+            <a:pPr marL="457200" lvl="1" indent="0">
+              <a:buNone/>
+            </a:pPr>
+            <a:r>
+              <a:rPr lang="en-US" dirty="0"/>
+              <a:t>Buyer and seller information are included (usually)</a:t>
+            </a:r>
+          </a:p>
+          <a:p>
+            <a:pPr marL="457200" lvl="1" indent="0">
+              <a:buNone/>
+            </a:pPr>
+            <a:r>
+              <a:rPr lang="en-US" dirty="0"/>
+              <a:t>The product or service as a “tax code”</a:t>
+            </a:r>
+          </a:p>
+          <a:p>
+            <a:pPr marL="457200" lvl="1" indent="0">
+              <a:buNone/>
+            </a:pPr>
+            <a:endParaRPr lang="en-US" dirty="0"/>
           </a:p>
           <a:p>
             <a:pPr marL="0" indent="0">
               <a:buNone/>
             </a:pPr>
-            <a:r>
-              <a:rPr lang="en-US" dirty="0"/>
-              <a:t>An address cleaner and geocoder</a:t>
-            </a:r>
-          </a:p>
-          <a:p>
-            <a:pPr marL="0" indent="0">
-              <a:buNone/>
-            </a:pPr>
-            <a:r>
-              <a:rPr lang="en-US" dirty="0"/>
-              <a:t>An online ”tax map”</a:t>
-            </a:r>
-          </a:p>
-          <a:p>
-            <a:pPr marL="0" indent="0">
-              <a:buNone/>
-            </a:pPr>
-            <a:r>
-              <a:rPr lang="en-US" dirty="0"/>
-              <a:t>Batch-as-import</a:t>
-            </a:r>
-          </a:p>
-          <a:p>
-            <a:pPr marL="0" indent="0">
-              <a:buNone/>
-            </a:pPr>
-            <a:r>
-              <a:rPr lang="en-US" dirty="0"/>
-              <a:t>Report-as-export</a:t>
-            </a:r>
-          </a:p>
-          <a:p>
-            <a:pPr marL="0" indent="0">
-              <a:buNone/>
-            </a:pPr>
-            <a:r>
-              <a:rPr lang="en-US" dirty="0"/>
-              <a:t>~400 methods across 10 SOAP endpoints</a:t>
-            </a:r>
+            <a:endParaRPr lang="en-US" dirty="0"/>
           </a:p>
         </p:txBody>
       </p:sp>
     </p:spTree>
     <p:extLst>
       <p:ext uri="{BB962C8B-B14F-4D97-AF65-F5344CB8AC3E}">
-        <p14:creationId xmlns:p14="http://schemas.microsoft.com/office/powerpoint/2010/main" val="1088403486"/>
+        <p14:creationId xmlns:p14="http://schemas.microsoft.com/office/powerpoint/2010/main" val="294771861"/>
+      </p:ext>
+    </p:extLst>
+  </p:cSld>
+  <p:clrMapOvr>
+    <a:masterClrMapping/>
+  </p:clrMapOvr>
+</p:sld>
+</file>
+
+<file path=ppt/slides/slide6.xml><?xml version="1.0" encoding="utf-8"?>
+<p:sld xmlns:a="http://schemas.openxmlformats.org/drawingml/2006/main" xmlns:r="http://schemas.openxmlformats.org/officeDocument/2006/relationships" xmlns:p="http://schemas.openxmlformats.org/presentationml/2006/main">
+  <p:cSld>
+    <p:spTree>
+      <p:nvGrpSpPr>
+        <p:cNvPr id="1" name=""/>
+        <p:cNvGrpSpPr/>
+        <p:nvPr/>
+      </p:nvGrpSpPr>
+      <p:grpSpPr>
+        <a:xfrm>
+          <a:off x="0" y="0"/>
+          <a:ext cx="0" cy="0"/>
+          <a:chOff x="0" y="0"/>
+          <a:chExt cx="0" cy="0"/>
+        </a:xfrm>
+      </p:grpSpPr>
+      <p:sp>
+        <p:nvSpPr>
+          <p:cNvPr id="2" name="Title 1"/>
+          <p:cNvSpPr>
+            <a:spLocks noGrp="1"/>
+          </p:cNvSpPr>
+          <p:nvPr>
+            <p:ph type="title"/>
+          </p:nvPr>
+        </p:nvSpPr>
+        <p:spPr/>
+        <p:txBody>
+          <a:bodyPr/>
+          <a:lstStyle/>
+          <a:p>
+            <a:r>
+              <a:rPr lang="en-US" dirty="0"/>
+              <a:t>Taxation</a:t>
+            </a:r>
+          </a:p>
+        </p:txBody>
+      </p:sp>
+      <p:sp>
+        <p:nvSpPr>
+          <p:cNvPr id="3" name="Content Placeholder 2"/>
+          <p:cNvSpPr>
+            <a:spLocks noGrp="1"/>
+          </p:cNvSpPr>
+          <p:nvPr>
+            <p:ph idx="1"/>
+          </p:nvPr>
+        </p:nvSpPr>
+        <p:spPr/>
+        <p:txBody>
+          <a:bodyPr/>
+          <a:lstStyle/>
+          <a:p>
+            <a:pPr marL="0" indent="0">
+              <a:buNone/>
+            </a:pPr>
+            <a:r>
+              <a:rPr lang="en-US" dirty="0"/>
+              <a:t>Taxes are based on</a:t>
+            </a:r>
+          </a:p>
+          <a:p>
+            <a:pPr marL="0" indent="0">
+              <a:buNone/>
+            </a:pPr>
+            <a:endParaRPr lang="en-US" dirty="0"/>
+          </a:p>
+          <a:p>
+            <a:pPr marL="457200" lvl="1" indent="0">
+              <a:buNone/>
+            </a:pPr>
+            <a:r>
+              <a:rPr lang="en-US" dirty="0"/>
+              <a:t>The product or service being taxed</a:t>
+            </a:r>
+          </a:p>
+          <a:p>
+            <a:pPr marL="457200" lvl="1" indent="0">
+              <a:buNone/>
+            </a:pPr>
+            <a:r>
+              <a:rPr lang="en-US" dirty="0"/>
+              <a:t>The point of sale, the point of origin, and the point of delivery</a:t>
+            </a:r>
+          </a:p>
+          <a:p>
+            <a:pPr marL="457200" lvl="1" indent="0">
+              <a:buNone/>
+            </a:pPr>
+            <a:r>
+              <a:rPr lang="en-US" dirty="0"/>
+              <a:t>The class of buyer and the class of seller</a:t>
+            </a:r>
+          </a:p>
+          <a:p>
+            <a:pPr marL="457200" lvl="1" indent="0">
+              <a:buNone/>
+            </a:pPr>
+            <a:r>
+              <a:rPr lang="en-US" dirty="0"/>
+              <a:t>The time of sale (tax holidays, etc.)</a:t>
+            </a:r>
+          </a:p>
+          <a:p>
+            <a:pPr marL="457200" lvl="1" indent="0">
+              <a:buNone/>
+            </a:pPr>
+            <a:r>
+              <a:rPr lang="en-US" dirty="0"/>
+              <a:t>The taxation “jurisdictions” in effect</a:t>
+            </a:r>
+          </a:p>
+          <a:p>
+            <a:pPr marL="0" indent="0">
+              <a:buNone/>
+            </a:pPr>
+            <a:endParaRPr lang="en-US" dirty="0"/>
+          </a:p>
+        </p:txBody>
+      </p:sp>
+    </p:spTree>
+    <p:extLst>
+      <p:ext uri="{BB962C8B-B14F-4D97-AF65-F5344CB8AC3E}">
+        <p14:creationId xmlns:p14="http://schemas.microsoft.com/office/powerpoint/2010/main" val="2141981345"/>
+      </p:ext>
+    </p:extLst>
+  </p:cSld>
+  <p:clrMapOvr>
+    <a:masterClrMapping/>
+  </p:clrMapOvr>
+</p:sld>
+</file>
+
+<file path=ppt/slides/slide7.xml><?xml version="1.0" encoding="utf-8"?>
+<p:sld xmlns:a="http://schemas.openxmlformats.org/drawingml/2006/main" xmlns:r="http://schemas.openxmlformats.org/officeDocument/2006/relationships" xmlns:p="http://schemas.openxmlformats.org/presentationml/2006/main">
+  <p:cSld>
+    <p:spTree>
+      <p:nvGrpSpPr>
+        <p:cNvPr id="1" name=""/>
+        <p:cNvGrpSpPr/>
+        <p:nvPr/>
+      </p:nvGrpSpPr>
+      <p:grpSpPr>
+        <a:xfrm>
+          <a:off x="0" y="0"/>
+          <a:ext cx="0" cy="0"/>
+          <a:chOff x="0" y="0"/>
+          <a:chExt cx="0" cy="0"/>
+        </a:xfrm>
+      </p:grpSpPr>
+      <p:sp>
+        <p:nvSpPr>
+          <p:cNvPr id="2" name="Title 1">
+            <a:extLst>
+              <a:ext uri="{FF2B5EF4-FFF2-40B4-BE49-F238E27FC236}">
+                <a16:creationId xmlns:a16="http://schemas.microsoft.com/office/drawing/2014/main" id="{576B7BAC-96AD-8F4C-A539-09E0CF8EEF87}"/>
+              </a:ext>
+            </a:extLst>
+          </p:cNvPr>
+          <p:cNvSpPr>
+            <a:spLocks noGrp="1"/>
+          </p:cNvSpPr>
+          <p:nvPr>
+            <p:ph type="title"/>
+          </p:nvPr>
+        </p:nvSpPr>
+        <p:spPr/>
+        <p:txBody>
+          <a:bodyPr/>
+          <a:lstStyle/>
+          <a:p>
+            <a:r>
+              <a:rPr lang="en-US" dirty="0"/>
+              <a:t>Some numbers</a:t>
+            </a:r>
+          </a:p>
+        </p:txBody>
+      </p:sp>
+      <p:sp>
+        <p:nvSpPr>
+          <p:cNvPr id="3" name="Content Placeholder 2">
+            <a:extLst>
+              <a:ext uri="{FF2B5EF4-FFF2-40B4-BE49-F238E27FC236}">
+                <a16:creationId xmlns:a16="http://schemas.microsoft.com/office/drawing/2014/main" id="{31562D37-4B19-A348-A12B-27CC506AF9D7}"/>
+              </a:ext>
+            </a:extLst>
+          </p:cNvPr>
+          <p:cNvSpPr>
+            <a:spLocks noGrp="1"/>
+          </p:cNvSpPr>
+          <p:nvPr>
+            <p:ph idx="1"/>
+          </p:nvPr>
+        </p:nvSpPr>
+        <p:spPr/>
+        <p:txBody>
+          <a:bodyPr>
+            <a:normAutofit lnSpcReduction="10000"/>
+          </a:bodyPr>
+          <a:lstStyle/>
+          <a:p>
+            <a:r>
+              <a:rPr lang="en-US" dirty="0"/>
+              <a:t>There are / were about 11,000 jurisdictions in the US (alone)</a:t>
+            </a:r>
+          </a:p>
+          <a:p>
+            <a:r>
+              <a:rPr lang="en-US" dirty="0"/>
+              <a:t>There are / were about 8,000 ”tax codes”</a:t>
+            </a:r>
+          </a:p>
+          <a:p>
+            <a:r>
+              <a:rPr lang="en-US" dirty="0"/>
+              <a:t>Sometimes many ”tax rules” applied to the intersection</a:t>
+            </a:r>
+          </a:p>
+          <a:p>
+            <a:endParaRPr lang="en-US" dirty="0"/>
+          </a:p>
+          <a:p>
+            <a:r>
+              <a:rPr lang="en-US" dirty="0"/>
+              <a:t>So… about 9,000,000,000 possible tax operations to</a:t>
+            </a:r>
+          </a:p>
+          <a:p>
+            <a:pPr lvl="1"/>
+            <a:r>
+              <a:rPr lang="en-US" dirty="0"/>
+              <a:t>Locate</a:t>
+            </a:r>
+          </a:p>
+          <a:p>
+            <a:pPr lvl="1"/>
+            <a:r>
+              <a:rPr lang="en-US" dirty="0"/>
+              <a:t>Process</a:t>
+            </a:r>
+          </a:p>
+          <a:p>
+            <a:pPr lvl="1"/>
+            <a:r>
+              <a:rPr lang="en-US" dirty="0"/>
+              <a:t>Report upon</a:t>
+            </a:r>
+          </a:p>
+          <a:p>
+            <a:pPr lvl="1"/>
+            <a:r>
+              <a:rPr lang="en-US" dirty="0"/>
+              <a:t>Keep up to date</a:t>
+            </a:r>
+          </a:p>
+          <a:p>
+            <a:pPr lvl="1"/>
+            <a:r>
+              <a:rPr lang="en-US" dirty="0"/>
+              <a:t>Research and build implementations for</a:t>
+            </a:r>
+          </a:p>
+          <a:p>
+            <a:endParaRPr lang="en-US" dirty="0"/>
+          </a:p>
+        </p:txBody>
+      </p:sp>
+    </p:spTree>
+    <p:extLst>
+      <p:ext uri="{BB962C8B-B14F-4D97-AF65-F5344CB8AC3E}">
+        <p14:creationId xmlns:p14="http://schemas.microsoft.com/office/powerpoint/2010/main" val="3908130302"/>
       </p:ext>
     </p:extLst>
   </p:cSld>
@@ -8428,7 +9875,7 @@
                                         <p:tgtEl>
                                           <p:spTgt spid="3">
                                             <p:txEl>
-                                              <p:pRg st="1" end="1"/>
+                                              <p:pRg st="4" end="4"/>
                                             </p:txEl>
                                           </p:spTgt>
                                         </p:tgtEl>
@@ -8459,7 +9906,7 @@
                                         <p:tgtEl>
                                           <p:spTgt spid="3">
                                             <p:txEl>
-                                              <p:pRg st="2" end="2"/>
+                                              <p:pRg st="5" end="5"/>
                                             </p:txEl>
                                           </p:spTgt>
                                         </p:tgtEl>
@@ -8490,7 +9937,7 @@
                                         <p:tgtEl>
                                           <p:spTgt spid="3">
                                             <p:txEl>
-                                              <p:pRg st="3" end="3"/>
+                                              <p:pRg st="6" end="6"/>
                                             </p:txEl>
                                           </p:spTgt>
                                         </p:tgtEl>
@@ -8521,7 +9968,7 @@
                                         <p:tgtEl>
                                           <p:spTgt spid="3">
                                             <p:txEl>
-                                              <p:pRg st="4" end="4"/>
+                                              <p:pRg st="7" end="7"/>
                                             </p:txEl>
                                           </p:spTgt>
                                         </p:tgtEl>
@@ -8552,7 +9999,38 @@
                                         <p:tgtEl>
                                           <p:spTgt spid="3">
                                             <p:txEl>
-                                              <p:pRg st="5" end="5"/>
+                                              <p:pRg st="8" end="8"/>
+                                            </p:txEl>
+                                          </p:spTgt>
+                                        </p:tgtEl>
+                                        <p:attrNameLst>
+                                          <p:attrName>style.visibility</p:attrName>
+                                        </p:attrNameLst>
+                                      </p:cBhvr>
+                                      <p:to>
+                                        <p:strVal val="visible"/>
+                                      </p:to>
+                                    </p:set>
+                                  </p:childTnLst>
+                                </p:cTn>
+                              </p:par>
+                              <p:par>
+                                <p:cTn id="15" presetID="1" presetClass="entr" presetSubtype="0" fill="hold" nodeType="withEffect">
+                                  <p:stCondLst>
+                                    <p:cond delay="0"/>
+                                  </p:stCondLst>
+                                  <p:childTnLst>
+                                    <p:set>
+                                      <p:cBhvr>
+                                        <p:cTn id="16" dur="1" fill="hold">
+                                          <p:stCondLst>
+                                            <p:cond delay="0"/>
+                                          </p:stCondLst>
+                                        </p:cTn>
+                                        <p:tgtEl>
+                                          <p:spTgt spid="3">
+                                            <p:txEl>
+                                              <p:pRg st="9" end="9"/>
                                             </p:txEl>
                                           </p:spTgt>
                                         </p:tgtEl>
@@ -8598,419 +10076,6 @@
 </p:sld>
 </file>
 
-<file path=ppt/slides/slide5.xml><?xml version="1.0" encoding="utf-8"?>
-<p:sld xmlns:a="http://schemas.openxmlformats.org/drawingml/2006/main" xmlns:r="http://schemas.openxmlformats.org/officeDocument/2006/relationships" xmlns:p="http://schemas.openxmlformats.org/presentationml/2006/main">
-  <p:cSld>
-    <p:spTree>
-      <p:nvGrpSpPr>
-        <p:cNvPr id="1" name=""/>
-        <p:cNvGrpSpPr/>
-        <p:nvPr/>
-      </p:nvGrpSpPr>
-      <p:grpSpPr>
-        <a:xfrm>
-          <a:off x="0" y="0"/>
-          <a:ext cx="0" cy="0"/>
-          <a:chOff x="0" y="0"/>
-          <a:chExt cx="0" cy="0"/>
-        </a:xfrm>
-      </p:grpSpPr>
-      <p:sp>
-        <p:nvSpPr>
-          <p:cNvPr id="2" name="Title 1"/>
-          <p:cNvSpPr>
-            <a:spLocks noGrp="1"/>
-          </p:cNvSpPr>
-          <p:nvPr>
-            <p:ph type="title"/>
-          </p:nvPr>
-        </p:nvSpPr>
-        <p:spPr/>
-        <p:txBody>
-          <a:bodyPr/>
-          <a:lstStyle/>
-          <a:p>
-            <a:r>
-              <a:rPr lang="en-US" dirty="0"/>
-              <a:t>The tax request</a:t>
-            </a:r>
-          </a:p>
-        </p:txBody>
-      </p:sp>
-      <p:sp>
-        <p:nvSpPr>
-          <p:cNvPr id="3" name="Content Placeholder 2"/>
-          <p:cNvSpPr>
-            <a:spLocks noGrp="1"/>
-          </p:cNvSpPr>
-          <p:nvPr>
-            <p:ph idx="1"/>
-          </p:nvPr>
-        </p:nvSpPr>
-        <p:spPr/>
-        <p:txBody>
-          <a:bodyPr/>
-          <a:lstStyle/>
-          <a:p>
-            <a:pPr marL="0" indent="0">
-              <a:buNone/>
-            </a:pPr>
-            <a:r>
-              <a:rPr lang="en-US" dirty="0"/>
-              <a:t>An XML “tax document” is received (invoice or purchase order)</a:t>
-            </a:r>
-          </a:p>
-          <a:p>
-            <a:pPr marL="457200" lvl="1" indent="0">
-              <a:buNone/>
-            </a:pPr>
-            <a:endParaRPr lang="en-US" dirty="0"/>
-          </a:p>
-          <a:p>
-            <a:pPr marL="457200" lvl="1" indent="0">
-              <a:buNone/>
-            </a:pPr>
-            <a:r>
-              <a:rPr lang="en-US" dirty="0"/>
-              <a:t>Might be tagged as New, Update, or Temporary</a:t>
-            </a:r>
-          </a:p>
-          <a:p>
-            <a:pPr marL="457200" lvl="1" indent="0">
-              <a:buNone/>
-            </a:pPr>
-            <a:r>
-              <a:rPr lang="en-US" dirty="0"/>
-              <a:t>Each document has several lines</a:t>
-            </a:r>
-          </a:p>
-          <a:p>
-            <a:pPr marL="457200" lvl="1" indent="0">
-              <a:buNone/>
-            </a:pPr>
-            <a:r>
-              <a:rPr lang="en-US" dirty="0"/>
-              <a:t>Each line may have an address or two or three</a:t>
-            </a:r>
-          </a:p>
-          <a:p>
-            <a:pPr marL="457200" lvl="1" indent="0">
-              <a:buNone/>
-            </a:pPr>
-            <a:r>
-              <a:rPr lang="en-US" dirty="0"/>
-              <a:t>Buyer and seller information are included (usually)</a:t>
-            </a:r>
-          </a:p>
-          <a:p>
-            <a:pPr marL="457200" lvl="1" indent="0">
-              <a:buNone/>
-            </a:pPr>
-            <a:r>
-              <a:rPr lang="en-US" dirty="0"/>
-              <a:t>The product or service as a “tax code”</a:t>
-            </a:r>
-          </a:p>
-          <a:p>
-            <a:pPr marL="457200" lvl="1" indent="0">
-              <a:buNone/>
-            </a:pPr>
-            <a:endParaRPr lang="en-US" dirty="0"/>
-          </a:p>
-          <a:p>
-            <a:pPr marL="0" indent="0">
-              <a:buNone/>
-            </a:pPr>
-            <a:endParaRPr lang="en-US" dirty="0"/>
-          </a:p>
-        </p:txBody>
-      </p:sp>
-    </p:spTree>
-    <p:extLst>
-      <p:ext uri="{BB962C8B-B14F-4D97-AF65-F5344CB8AC3E}">
-        <p14:creationId xmlns:p14="http://schemas.microsoft.com/office/powerpoint/2010/main" val="294771861"/>
-      </p:ext>
-    </p:extLst>
-  </p:cSld>
-  <p:clrMapOvr>
-    <a:masterClrMapping/>
-  </p:clrMapOvr>
-</p:sld>
-</file>
-
-<file path=ppt/slides/slide6.xml><?xml version="1.0" encoding="utf-8"?>
-<p:sld xmlns:a="http://schemas.openxmlformats.org/drawingml/2006/main" xmlns:r="http://schemas.openxmlformats.org/officeDocument/2006/relationships" xmlns:p="http://schemas.openxmlformats.org/presentationml/2006/main">
-  <p:cSld>
-    <p:spTree>
-      <p:nvGrpSpPr>
-        <p:cNvPr id="1" name=""/>
-        <p:cNvGrpSpPr/>
-        <p:nvPr/>
-      </p:nvGrpSpPr>
-      <p:grpSpPr>
-        <a:xfrm>
-          <a:off x="0" y="0"/>
-          <a:ext cx="0" cy="0"/>
-          <a:chOff x="0" y="0"/>
-          <a:chExt cx="0" cy="0"/>
-        </a:xfrm>
-      </p:grpSpPr>
-      <p:sp>
-        <p:nvSpPr>
-          <p:cNvPr id="2" name="Title 1"/>
-          <p:cNvSpPr>
-            <a:spLocks noGrp="1"/>
-          </p:cNvSpPr>
-          <p:nvPr>
-            <p:ph type="title"/>
-          </p:nvPr>
-        </p:nvSpPr>
-        <p:spPr/>
-        <p:txBody>
-          <a:bodyPr/>
-          <a:lstStyle/>
-          <a:p>
-            <a:r>
-              <a:rPr lang="en-US" dirty="0"/>
-              <a:t>Taxation</a:t>
-            </a:r>
-          </a:p>
-        </p:txBody>
-      </p:sp>
-      <p:sp>
-        <p:nvSpPr>
-          <p:cNvPr id="3" name="Content Placeholder 2"/>
-          <p:cNvSpPr>
-            <a:spLocks noGrp="1"/>
-          </p:cNvSpPr>
-          <p:nvPr>
-            <p:ph idx="1"/>
-          </p:nvPr>
-        </p:nvSpPr>
-        <p:spPr/>
-        <p:txBody>
-          <a:bodyPr/>
-          <a:lstStyle/>
-          <a:p>
-            <a:pPr marL="0" indent="0">
-              <a:buNone/>
-            </a:pPr>
-            <a:r>
-              <a:rPr lang="en-US" dirty="0"/>
-              <a:t>Taxes are based on</a:t>
-            </a:r>
-          </a:p>
-          <a:p>
-            <a:pPr marL="457200" lvl="1" indent="0">
-              <a:buNone/>
-            </a:pPr>
-            <a:r>
-              <a:rPr lang="en-US" dirty="0"/>
-              <a:t>The product or service being taxed</a:t>
-            </a:r>
-          </a:p>
-          <a:p>
-            <a:pPr marL="457200" lvl="1" indent="0">
-              <a:buNone/>
-            </a:pPr>
-            <a:r>
-              <a:rPr lang="en-US" dirty="0"/>
-              <a:t>The point of sale, the point of origin, and the point of delivery</a:t>
-            </a:r>
-          </a:p>
-          <a:p>
-            <a:pPr marL="457200" lvl="1" indent="0">
-              <a:buNone/>
-            </a:pPr>
-            <a:r>
-              <a:rPr lang="en-US" dirty="0"/>
-              <a:t>The class of buyer and the class of seller</a:t>
-            </a:r>
-          </a:p>
-          <a:p>
-            <a:pPr marL="457200" lvl="1" indent="0">
-              <a:buNone/>
-            </a:pPr>
-            <a:r>
-              <a:rPr lang="en-US" dirty="0"/>
-              <a:t>The time of sale (tax holidays, etc.)</a:t>
-            </a:r>
-          </a:p>
-          <a:p>
-            <a:pPr marL="457200" lvl="1" indent="0">
-              <a:buNone/>
-            </a:pPr>
-            <a:r>
-              <a:rPr lang="en-US" dirty="0"/>
-              <a:t>The taxation “jurisdictions” in effect</a:t>
-            </a:r>
-          </a:p>
-          <a:p>
-            <a:pPr marL="0" indent="0">
-              <a:buNone/>
-            </a:pPr>
-            <a:endParaRPr lang="en-US" dirty="0"/>
-          </a:p>
-        </p:txBody>
-      </p:sp>
-    </p:spTree>
-    <p:extLst>
-      <p:ext uri="{BB962C8B-B14F-4D97-AF65-F5344CB8AC3E}">
-        <p14:creationId xmlns:p14="http://schemas.microsoft.com/office/powerpoint/2010/main" val="2141981345"/>
-      </p:ext>
-    </p:extLst>
-  </p:cSld>
-  <p:clrMapOvr>
-    <a:masterClrMapping/>
-  </p:clrMapOvr>
-</p:sld>
-</file>
-
-<file path=ppt/slides/slide7.xml><?xml version="1.0" encoding="utf-8"?>
-<p:sld xmlns:a="http://schemas.openxmlformats.org/drawingml/2006/main" xmlns:r="http://schemas.openxmlformats.org/officeDocument/2006/relationships" xmlns:p="http://schemas.openxmlformats.org/presentationml/2006/main">
-  <p:cSld>
-    <p:spTree>
-      <p:nvGrpSpPr>
-        <p:cNvPr id="1" name=""/>
-        <p:cNvGrpSpPr/>
-        <p:nvPr/>
-      </p:nvGrpSpPr>
-      <p:grpSpPr>
-        <a:xfrm>
-          <a:off x="0" y="0"/>
-          <a:ext cx="0" cy="0"/>
-          <a:chOff x="0" y="0"/>
-          <a:chExt cx="0" cy="0"/>
-        </a:xfrm>
-      </p:grpSpPr>
-      <p:sp>
-        <p:nvSpPr>
-          <p:cNvPr id="2" name="Title 1"/>
-          <p:cNvSpPr>
-            <a:spLocks noGrp="1"/>
-          </p:cNvSpPr>
-          <p:nvPr>
-            <p:ph type="title"/>
-          </p:nvPr>
-        </p:nvSpPr>
-        <p:spPr/>
-        <p:txBody>
-          <a:bodyPr/>
-          <a:lstStyle/>
-          <a:p>
-            <a:r>
-              <a:rPr lang="en-US" dirty="0"/>
-              <a:t>Some problems</a:t>
-            </a:r>
-          </a:p>
-        </p:txBody>
-      </p:sp>
-      <p:sp>
-        <p:nvSpPr>
-          <p:cNvPr id="3" name="Content Placeholder 2"/>
-          <p:cNvSpPr>
-            <a:spLocks noGrp="1"/>
-          </p:cNvSpPr>
-          <p:nvPr>
-            <p:ph idx="1"/>
-          </p:nvPr>
-        </p:nvSpPr>
-        <p:spPr/>
-        <p:txBody>
-          <a:bodyPr/>
-          <a:lstStyle/>
-          <a:p>
-            <a:pPr marL="0" indent="0">
-              <a:buNone/>
-            </a:pPr>
-            <a:r>
-              <a:rPr lang="en-US" dirty="0"/>
-              <a:t>Tax calculations are getting slower with each release</a:t>
-            </a:r>
-          </a:p>
-          <a:p>
-            <a:pPr marL="0" indent="0">
-              <a:buNone/>
-            </a:pPr>
-            <a:r>
-              <a:rPr lang="en-US" dirty="0"/>
-              <a:t>Tax rules are very hard to change (guess where they live)</a:t>
-            </a:r>
-          </a:p>
-          <a:p>
-            <a:pPr marL="0" indent="0">
-              <a:buNone/>
-            </a:pPr>
-            <a:r>
-              <a:rPr lang="en-US" dirty="0"/>
-              <a:t>There’s a requirement to calculate historical taxes</a:t>
-            </a:r>
-          </a:p>
-          <a:p>
-            <a:pPr marL="0" indent="0">
-              <a:buNone/>
-            </a:pPr>
-            <a:r>
-              <a:rPr lang="en-US" dirty="0"/>
-              <a:t>The API has to change, but can’t (</a:t>
-            </a:r>
-            <a:r>
-              <a:rPr lang="en-US" dirty="0" err="1"/>
-              <a:t>IAuditService</a:t>
-            </a:r>
-            <a:r>
-              <a:rPr lang="en-US" dirty="0"/>
-              <a:t>, IAuditService2)</a:t>
-            </a:r>
-          </a:p>
-          <a:p>
-            <a:pPr marL="0" indent="0">
-              <a:buNone/>
-            </a:pPr>
-            <a:r>
-              <a:rPr lang="en-US" dirty="0"/>
-              <a:t>Bugs and incorrect rules are rampant in the software</a:t>
-            </a:r>
-          </a:p>
-          <a:p>
-            <a:pPr marL="0" indent="0">
-              <a:buNone/>
-            </a:pPr>
-            <a:r>
-              <a:rPr lang="en-US" dirty="0"/>
-              <a:t>Deployment takes 13 hours and 12 engineers</a:t>
-            </a:r>
-          </a:p>
-          <a:p>
-            <a:pPr marL="0" indent="0">
-              <a:buNone/>
-            </a:pPr>
-            <a:r>
-              <a:rPr lang="en-US" dirty="0"/>
-              <a:t>The tax authorities change rules all the time without warning</a:t>
-            </a:r>
-          </a:p>
-          <a:p>
-            <a:pPr marL="0" indent="0">
-              <a:buNone/>
-            </a:pPr>
-            <a:endParaRPr lang="en-US" dirty="0"/>
-          </a:p>
-        </p:txBody>
-      </p:sp>
-    </p:spTree>
-    <p:extLst>
-      <p:ext uri="{BB962C8B-B14F-4D97-AF65-F5344CB8AC3E}">
-        <p14:creationId xmlns:p14="http://schemas.microsoft.com/office/powerpoint/2010/main" val="179982260"/>
-      </p:ext>
-    </p:extLst>
-  </p:cSld>
-  <p:clrMapOvr>
-    <a:masterClrMapping/>
-  </p:clrMapOvr>
-</p:sld>
-</file>
-
 <file path=ppt/slides/slide8.xml><?xml version="1.0" encoding="utf-8"?>
 <p:sld xmlns:a="http://schemas.openxmlformats.org/drawingml/2006/main" xmlns:r="http://schemas.openxmlformats.org/officeDocument/2006/relationships" xmlns:p="http://schemas.openxmlformats.org/presentationml/2006/main">
   <p:cSld>
@@ -9045,7 +10110,7 @@
           <a:p>
             <a:r>
               <a:rPr lang="en-US" dirty="0"/>
-              <a:t>Some more problems</a:t>
+              <a:t>Some problems</a:t>
             </a:r>
           </a:p>
         </p:txBody>
@@ -9070,7 +10135,7 @@
             </a:pPr>
             <a:r>
               <a:rPr lang="en-US" dirty="0"/>
-              <a:t>None of the original developers were engineers</a:t>
+              <a:t>Tax calculations are getting slower with each release</a:t>
             </a:r>
           </a:p>
           <a:p>
@@ -9079,7 +10144,7 @@
             </a:pPr>
             <a:r>
               <a:rPr lang="en-US" dirty="0"/>
-              <a:t>Many hands have touched the code</a:t>
+              <a:t>Tax rules are very hard to change (guess where they live)</a:t>
             </a:r>
           </a:p>
           <a:p>
@@ -9088,7 +10153,7 @@
             </a:pPr>
             <a:r>
               <a:rPr lang="en-US" dirty="0"/>
-              <a:t>Most developers are long gone</a:t>
+              <a:t>There’s a requirement to calculate historical taxes</a:t>
             </a:r>
           </a:p>
           <a:p>
@@ -9097,7 +10162,15 @@
             </a:pPr>
             <a:r>
               <a:rPr lang="en-US" dirty="0"/>
-              <a:t>Can’t keep the developers we have</a:t>
+              <a:t>The API has to change, but can’t (</a:t>
+            </a:r>
+            <a:r>
+              <a:rPr lang="en-US" dirty="0" err="1"/>
+              <a:t>IAuditService</a:t>
+            </a:r>
+            <a:r>
+              <a:rPr lang="en-US" dirty="0"/>
+              <a:t>, IAuditService2)</a:t>
             </a:r>
           </a:p>
           <a:p>
@@ -9106,7 +10179,7 @@
             </a:pPr>
             <a:r>
               <a:rPr lang="en-US" dirty="0"/>
-              <a:t>Skill set issues, and our backup team is in Pune India</a:t>
+              <a:t>Bugs and incorrect rules are rampant in the software</a:t>
             </a:r>
           </a:p>
           <a:p>
@@ -9115,7 +10188,7 @@
             </a:pPr>
             <a:r>
               <a:rPr lang="en-US" dirty="0"/>
-              <a:t>Some tests exist, but they don’t necessarily test the right thing</a:t>
+              <a:t>Deployment takes 13 hours and 12 engineers (cost in dollars?)</a:t>
             </a:r>
           </a:p>
           <a:p>
@@ -9124,15 +10197,21 @@
             </a:pPr>
             <a:r>
               <a:rPr lang="en-US" dirty="0"/>
-              <a:t>Oh yeah, the primary key for our big table is 32 bit signed</a:t>
-            </a:r>
+              <a:t>The tax authorities change rules all the time without warning</a:t>
+            </a:r>
+          </a:p>
+          <a:p>
+            <a:pPr marL="0" indent="0">
+              <a:buNone/>
+            </a:pPr>
+            <a:endParaRPr lang="en-US" dirty="0"/>
           </a:p>
         </p:txBody>
       </p:sp>
     </p:spTree>
     <p:extLst>
       <p:ext uri="{BB962C8B-B14F-4D97-AF65-F5344CB8AC3E}">
-        <p14:creationId xmlns:p14="http://schemas.microsoft.com/office/powerpoint/2010/main" val="555459453"/>
+        <p14:creationId xmlns:p14="http://schemas.microsoft.com/office/powerpoint/2010/main" val="179982260"/>
       </p:ext>
     </p:extLst>
   </p:cSld>
@@ -9176,7 +10255,7 @@
           <a:p>
             <a:r>
               <a:rPr lang="en-US" dirty="0"/>
-              <a:t>What did we find</a:t>
+              <a:t>Some more problems</a:t>
             </a:r>
           </a:p>
         </p:txBody>
@@ -9201,7 +10280,7 @@
             </a:pPr>
             <a:r>
               <a:rPr lang="en-US" dirty="0"/>
-              <a:t>Some processing, address resolution, takes ~28ms each</a:t>
+              <a:t>None of the original developers were engineers</a:t>
             </a:r>
           </a:p>
           <a:p>
@@ -9210,7 +10289,7 @@
             </a:pPr>
             <a:r>
               <a:rPr lang="en-US" dirty="0"/>
-              <a:t>The system has 8 address ”resolvers”</a:t>
+              <a:t>Many hands have touched the code</a:t>
             </a:r>
           </a:p>
           <a:p>
@@ -9219,11 +10298,7 @@
             </a:pPr>
             <a:r>
               <a:rPr lang="en-US" dirty="0"/>
-              <a:t>Some parts of the software talk to itself</a:t>
-            </a:r>
-            <a:r>
-              <a:rPr lang="is-IS" dirty="0"/>
-              <a:t>… using SOAP</a:t>
+              <a:t>Most developers are long gone</a:t>
             </a:r>
           </a:p>
           <a:p>
@@ -9231,8 +10306,8 @@
               <a:buNone/>
             </a:pPr>
             <a:r>
-              <a:rPr lang="is-IS" dirty="0"/>
-              <a:t>The tax calculation engine was following the wrong process</a:t>
+              <a:rPr lang="en-US" dirty="0"/>
+              <a:t>Can’t keep the developers we have</a:t>
             </a:r>
           </a:p>
           <a:p>
@@ -9240,8 +10315,8 @@
               <a:buNone/>
             </a:pPr>
             <a:r>
-              <a:rPr lang="is-IS" dirty="0"/>
-              <a:t>Many tax rules were incorrect</a:t>
+              <a:rPr lang="en-US" dirty="0"/>
+              <a:t>Skill set issues, and our backup team is off-shore</a:t>
             </a:r>
           </a:p>
           <a:p>
@@ -9249,8 +10324,8 @@
               <a:buNone/>
             </a:pPr>
             <a:r>
-              <a:rPr lang="is-IS" dirty="0"/>
-              <a:t>Sales and marketing mis-estimated growth by a factor of 100</a:t>
+              <a:rPr lang="en-US" dirty="0"/>
+              <a:t>Some tests exist, but they don’t necessarily test the right thing</a:t>
             </a:r>
           </a:p>
           <a:p>
@@ -9258,26 +10333,16 @@
               <a:buNone/>
             </a:pPr>
             <a:r>
-              <a:rPr lang="is-IS" dirty="0"/>
-              <a:t>Customers knew the calc budget better than we did</a:t>
-            </a:r>
-          </a:p>
-          <a:p>
-            <a:pPr marL="0" indent="0">
-              <a:buNone/>
-            </a:pPr>
-            <a:r>
-              <a:rPr lang="is-IS" dirty="0"/>
-              <a:t>...and they’d call us when we exceeded it</a:t>
-            </a:r>
-            <a:endParaRPr lang="en-US" dirty="0"/>
+              <a:rPr lang="en-US" dirty="0"/>
+              <a:t>Oh yeah, the primary key for our big table is 32 bit signed</a:t>
+            </a:r>
           </a:p>
         </p:txBody>
       </p:sp>
     </p:spTree>
     <p:extLst>
       <p:ext uri="{BB962C8B-B14F-4D97-AF65-F5344CB8AC3E}">
-        <p14:creationId xmlns:p14="http://schemas.microsoft.com/office/powerpoint/2010/main" val="1502120111"/>
+        <p14:creationId xmlns:p14="http://schemas.microsoft.com/office/powerpoint/2010/main" val="555459453"/>
       </p:ext>
     </p:extLst>
   </p:cSld>
